--- a/docs/meeting summeries/2012_01_14/2012_01_14_blocks.pptx
+++ b/docs/meeting summeries/2012_01_14/2012_01_14_blocks.pptx
@@ -4,11 +4,15 @@
   <p:sldMasterIdLst>
     <p:sldMasterId id="2147483648" r:id="rId1"/>
   </p:sldMasterIdLst>
+  <p:notesMasterIdLst>
+    <p:notesMasterId r:id="rId7"/>
+  </p:notesMasterIdLst>
   <p:sldIdLst>
     <p:sldId id="256" r:id="rId2"/>
     <p:sldId id="257" r:id="rId3"/>
     <p:sldId id="259" r:id="rId4"/>
     <p:sldId id="258" r:id="rId5"/>
+    <p:sldId id="260" r:id="rId6"/>
   </p:sldIdLst>
   <p:sldSz cx="9144000" cy="6858000" type="screen4x3"/>
   <p:notesSz cx="6858000" cy="9144000"/>
@@ -110,6 +114,434 @@
 </p:presentation>
 </file>
 
+<file path=ppt/notesMasters/notesMaster1.xml><?xml version="1.0" encoding="utf-8"?>
+<p:notesMaster xmlns:a="http://schemas.openxmlformats.org/drawingml/2006/main" xmlns:r="http://schemas.openxmlformats.org/officeDocument/2006/relationships" xmlns:p="http://schemas.openxmlformats.org/presentationml/2006/main">
+  <p:cSld>
+    <p:bg>
+      <p:bgRef idx="1001">
+        <a:schemeClr val="bg1"/>
+      </p:bgRef>
+    </p:bg>
+    <p:spTree>
+      <p:nvGrpSpPr>
+        <p:cNvPr id="1" name=""/>
+        <p:cNvGrpSpPr/>
+        <p:nvPr/>
+      </p:nvGrpSpPr>
+      <p:grpSpPr>
+        <a:xfrm>
+          <a:off x="0" y="0"/>
+          <a:ext cx="0" cy="0"/>
+          <a:chOff x="0" y="0"/>
+          <a:chExt cx="0" cy="0"/>
+        </a:xfrm>
+      </p:grpSpPr>
+      <p:sp>
+        <p:nvSpPr>
+          <p:cNvPr id="2" name="מציין מיקום של כותרת עליונה 1"/>
+          <p:cNvSpPr>
+            <a:spLocks noGrp="1"/>
+          </p:cNvSpPr>
+          <p:nvPr>
+            <p:ph type="hdr" sz="quarter"/>
+          </p:nvPr>
+        </p:nvSpPr>
+        <p:spPr>
+          <a:xfrm>
+            <a:off x="3886200" y="0"/>
+            <a:ext cx="2971800" cy="457200"/>
+          </a:xfrm>
+          <a:prstGeom prst="rect">
+            <a:avLst/>
+          </a:prstGeom>
+        </p:spPr>
+        <p:txBody>
+          <a:bodyPr vert="horz" lIns="91440" tIns="45720" rIns="91440" bIns="45720" rtlCol="1"/>
+          <a:lstStyle>
+            <a:lvl1pPr algn="r">
+              <a:defRPr sz="1200"/>
+            </a:lvl1pPr>
+          </a:lstStyle>
+          <a:p>
+            <a:endParaRPr lang="he-IL"/>
+          </a:p>
+        </p:txBody>
+      </p:sp>
+      <p:sp>
+        <p:nvSpPr>
+          <p:cNvPr id="3" name="מציין מיקום של תאריך 2"/>
+          <p:cNvSpPr>
+            <a:spLocks noGrp="1"/>
+          </p:cNvSpPr>
+          <p:nvPr>
+            <p:ph type="dt" idx="1"/>
+          </p:nvPr>
+        </p:nvSpPr>
+        <p:spPr>
+          <a:xfrm>
+            <a:off x="1588" y="0"/>
+            <a:ext cx="2971800" cy="457200"/>
+          </a:xfrm>
+          <a:prstGeom prst="rect">
+            <a:avLst/>
+          </a:prstGeom>
+        </p:spPr>
+        <p:txBody>
+          <a:bodyPr vert="horz" lIns="91440" tIns="45720" rIns="91440" bIns="45720" rtlCol="1"/>
+          <a:lstStyle>
+            <a:lvl1pPr algn="l">
+              <a:defRPr sz="1200"/>
+            </a:lvl1pPr>
+          </a:lstStyle>
+          <a:p>
+            <a:fld id="{424C9520-0824-4C86-9F3C-906FDEFEAA3A}" type="datetimeFigureOut">
+              <a:rPr lang="he-IL" smtClean="0"/>
+              <a:t>כ'/טבת/תשע"ב</a:t>
+            </a:fld>
+            <a:endParaRPr lang="he-IL"/>
+          </a:p>
+        </p:txBody>
+      </p:sp>
+      <p:sp>
+        <p:nvSpPr>
+          <p:cNvPr id="4" name="מציין מיקום של תמונת שקופית 3"/>
+          <p:cNvSpPr>
+            <a:spLocks noGrp="1" noRot="1" noChangeAspect="1"/>
+          </p:cNvSpPr>
+          <p:nvPr>
+            <p:ph type="sldImg" idx="2"/>
+          </p:nvPr>
+        </p:nvSpPr>
+        <p:spPr>
+          <a:xfrm>
+            <a:off x="1143000" y="685800"/>
+            <a:ext cx="4572000" cy="3429000"/>
+          </a:xfrm>
+          <a:prstGeom prst="rect">
+            <a:avLst/>
+          </a:prstGeom>
+          <a:noFill/>
+          <a:ln w="12700">
+            <a:solidFill>
+              <a:prstClr val="black"/>
+            </a:solidFill>
+          </a:ln>
+        </p:spPr>
+        <p:txBody>
+          <a:bodyPr vert="horz" lIns="91440" tIns="45720" rIns="91440" bIns="45720" rtlCol="1" anchor="ctr"/>
+          <a:lstStyle/>
+          <a:p>
+            <a:endParaRPr lang="he-IL"/>
+          </a:p>
+        </p:txBody>
+      </p:sp>
+      <p:sp>
+        <p:nvSpPr>
+          <p:cNvPr id="5" name="מציין מיקום של הערות 4"/>
+          <p:cNvSpPr>
+            <a:spLocks noGrp="1"/>
+          </p:cNvSpPr>
+          <p:nvPr>
+            <p:ph type="body" sz="quarter" idx="3"/>
+          </p:nvPr>
+        </p:nvSpPr>
+        <p:spPr>
+          <a:xfrm>
+            <a:off x="685800" y="4343400"/>
+            <a:ext cx="5486400" cy="4114800"/>
+          </a:xfrm>
+          <a:prstGeom prst="rect">
+            <a:avLst/>
+          </a:prstGeom>
+        </p:spPr>
+        <p:txBody>
+          <a:bodyPr vert="horz" lIns="91440" tIns="45720" rIns="91440" bIns="45720" rtlCol="1">
+            <a:normAutofit/>
+          </a:bodyPr>
+          <a:lstStyle/>
+          <a:p>
+            <a:pPr lvl="0"/>
+            <a:r>
+              <a:rPr lang="he-IL" smtClean="0"/>
+              <a:t>לחץ כדי לערוך סגנונות טקסט של תבנית בסיס</a:t>
+            </a:r>
+          </a:p>
+          <a:p>
+            <a:pPr lvl="1"/>
+            <a:r>
+              <a:rPr lang="he-IL" smtClean="0"/>
+              <a:t>רמה שנייה</a:t>
+            </a:r>
+          </a:p>
+          <a:p>
+            <a:pPr lvl="2"/>
+            <a:r>
+              <a:rPr lang="he-IL" smtClean="0"/>
+              <a:t>רמה שלישית</a:t>
+            </a:r>
+          </a:p>
+          <a:p>
+            <a:pPr lvl="3"/>
+            <a:r>
+              <a:rPr lang="he-IL" smtClean="0"/>
+              <a:t>רמה רביעית</a:t>
+            </a:r>
+          </a:p>
+          <a:p>
+            <a:pPr lvl="4"/>
+            <a:r>
+              <a:rPr lang="he-IL" smtClean="0"/>
+              <a:t>רמה חמישית</a:t>
+            </a:r>
+            <a:endParaRPr lang="he-IL"/>
+          </a:p>
+        </p:txBody>
+      </p:sp>
+      <p:sp>
+        <p:nvSpPr>
+          <p:cNvPr id="6" name="מציין מיקום של כותרת תחתונה 5"/>
+          <p:cNvSpPr>
+            <a:spLocks noGrp="1"/>
+          </p:cNvSpPr>
+          <p:nvPr>
+            <p:ph type="ftr" sz="quarter" idx="4"/>
+          </p:nvPr>
+        </p:nvSpPr>
+        <p:spPr>
+          <a:xfrm>
+            <a:off x="3886200" y="8685213"/>
+            <a:ext cx="2971800" cy="457200"/>
+          </a:xfrm>
+          <a:prstGeom prst="rect">
+            <a:avLst/>
+          </a:prstGeom>
+        </p:spPr>
+        <p:txBody>
+          <a:bodyPr vert="horz" lIns="91440" tIns="45720" rIns="91440" bIns="45720" rtlCol="1" anchor="b"/>
+          <a:lstStyle>
+            <a:lvl1pPr algn="r">
+              <a:defRPr sz="1200"/>
+            </a:lvl1pPr>
+          </a:lstStyle>
+          <a:p>
+            <a:endParaRPr lang="he-IL"/>
+          </a:p>
+        </p:txBody>
+      </p:sp>
+      <p:sp>
+        <p:nvSpPr>
+          <p:cNvPr id="7" name="מציין מיקום של מספר שקופית 6"/>
+          <p:cNvSpPr>
+            <a:spLocks noGrp="1"/>
+          </p:cNvSpPr>
+          <p:nvPr>
+            <p:ph type="sldNum" sz="quarter" idx="5"/>
+          </p:nvPr>
+        </p:nvSpPr>
+        <p:spPr>
+          <a:xfrm>
+            <a:off x="1588" y="8685213"/>
+            <a:ext cx="2971800" cy="457200"/>
+          </a:xfrm>
+          <a:prstGeom prst="rect">
+            <a:avLst/>
+          </a:prstGeom>
+        </p:spPr>
+        <p:txBody>
+          <a:bodyPr vert="horz" lIns="91440" tIns="45720" rIns="91440" bIns="45720" rtlCol="1" anchor="b"/>
+          <a:lstStyle>
+            <a:lvl1pPr algn="l">
+              <a:defRPr sz="1200"/>
+            </a:lvl1pPr>
+          </a:lstStyle>
+          <a:p>
+            <a:fld id="{76E0AAD9-266E-43D8-961A-3B8DC630DDE3}" type="slidenum">
+              <a:rPr lang="he-IL" smtClean="0"/>
+              <a:t>‹#›</a:t>
+            </a:fld>
+            <a:endParaRPr lang="he-IL"/>
+          </a:p>
+        </p:txBody>
+      </p:sp>
+    </p:spTree>
+  </p:cSld>
+  <p:clrMap bg1="lt1" tx1="dk1" bg2="lt2" tx2="dk2" accent1="accent1" accent2="accent2" accent3="accent3" accent4="accent4" accent5="accent5" accent6="accent6" hlink="hlink" folHlink="folHlink"/>
+  <p:notesStyle>
+    <a:lvl1pPr marL="0" algn="r" defTabSz="914400" rtl="1" eaLnBrk="1" latinLnBrk="0" hangingPunct="1">
+      <a:defRPr sz="1200" kern="1200">
+        <a:solidFill>
+          <a:schemeClr val="tx1"/>
+        </a:solidFill>
+        <a:latin typeface="+mn-lt"/>
+        <a:ea typeface="+mn-ea"/>
+        <a:cs typeface="+mn-cs"/>
+      </a:defRPr>
+    </a:lvl1pPr>
+    <a:lvl2pPr marL="457200" algn="r" defTabSz="914400" rtl="1" eaLnBrk="1" latinLnBrk="0" hangingPunct="1">
+      <a:defRPr sz="1200" kern="1200">
+        <a:solidFill>
+          <a:schemeClr val="tx1"/>
+        </a:solidFill>
+        <a:latin typeface="+mn-lt"/>
+        <a:ea typeface="+mn-ea"/>
+        <a:cs typeface="+mn-cs"/>
+      </a:defRPr>
+    </a:lvl2pPr>
+    <a:lvl3pPr marL="914400" algn="r" defTabSz="914400" rtl="1" eaLnBrk="1" latinLnBrk="0" hangingPunct="1">
+      <a:defRPr sz="1200" kern="1200">
+        <a:solidFill>
+          <a:schemeClr val="tx1"/>
+        </a:solidFill>
+        <a:latin typeface="+mn-lt"/>
+        <a:ea typeface="+mn-ea"/>
+        <a:cs typeface="+mn-cs"/>
+      </a:defRPr>
+    </a:lvl3pPr>
+    <a:lvl4pPr marL="1371600" algn="r" defTabSz="914400" rtl="1" eaLnBrk="1" latinLnBrk="0" hangingPunct="1">
+      <a:defRPr sz="1200" kern="1200">
+        <a:solidFill>
+          <a:schemeClr val="tx1"/>
+        </a:solidFill>
+        <a:latin typeface="+mn-lt"/>
+        <a:ea typeface="+mn-ea"/>
+        <a:cs typeface="+mn-cs"/>
+      </a:defRPr>
+    </a:lvl4pPr>
+    <a:lvl5pPr marL="1828800" algn="r" defTabSz="914400" rtl="1" eaLnBrk="1" latinLnBrk="0" hangingPunct="1">
+      <a:defRPr sz="1200" kern="1200">
+        <a:solidFill>
+          <a:schemeClr val="tx1"/>
+        </a:solidFill>
+        <a:latin typeface="+mn-lt"/>
+        <a:ea typeface="+mn-ea"/>
+        <a:cs typeface="+mn-cs"/>
+      </a:defRPr>
+    </a:lvl5pPr>
+    <a:lvl6pPr marL="2286000" algn="r" defTabSz="914400" rtl="1" eaLnBrk="1" latinLnBrk="0" hangingPunct="1">
+      <a:defRPr sz="1200" kern="1200">
+        <a:solidFill>
+          <a:schemeClr val="tx1"/>
+        </a:solidFill>
+        <a:latin typeface="+mn-lt"/>
+        <a:ea typeface="+mn-ea"/>
+        <a:cs typeface="+mn-cs"/>
+      </a:defRPr>
+    </a:lvl6pPr>
+    <a:lvl7pPr marL="2743200" algn="r" defTabSz="914400" rtl="1" eaLnBrk="1" latinLnBrk="0" hangingPunct="1">
+      <a:defRPr sz="1200" kern="1200">
+        <a:solidFill>
+          <a:schemeClr val="tx1"/>
+        </a:solidFill>
+        <a:latin typeface="+mn-lt"/>
+        <a:ea typeface="+mn-ea"/>
+        <a:cs typeface="+mn-cs"/>
+      </a:defRPr>
+    </a:lvl7pPr>
+    <a:lvl8pPr marL="3200400" algn="r" defTabSz="914400" rtl="1" eaLnBrk="1" latinLnBrk="0" hangingPunct="1">
+      <a:defRPr sz="1200" kern="1200">
+        <a:solidFill>
+          <a:schemeClr val="tx1"/>
+        </a:solidFill>
+        <a:latin typeface="+mn-lt"/>
+        <a:ea typeface="+mn-ea"/>
+        <a:cs typeface="+mn-cs"/>
+      </a:defRPr>
+    </a:lvl8pPr>
+    <a:lvl9pPr marL="3657600" algn="r" defTabSz="914400" rtl="1" eaLnBrk="1" latinLnBrk="0" hangingPunct="1">
+      <a:defRPr sz="1200" kern="1200">
+        <a:solidFill>
+          <a:schemeClr val="tx1"/>
+        </a:solidFill>
+        <a:latin typeface="+mn-lt"/>
+        <a:ea typeface="+mn-ea"/>
+        <a:cs typeface="+mn-cs"/>
+      </a:defRPr>
+    </a:lvl9pPr>
+  </p:notesStyle>
+</p:notesMaster>
+</file>
+
+<file path=ppt/notesSlides/notesSlide1.xml><?xml version="1.0" encoding="utf-8"?>
+<p:notes xmlns:a="http://schemas.openxmlformats.org/drawingml/2006/main" xmlns:r="http://schemas.openxmlformats.org/officeDocument/2006/relationships" xmlns:p="http://schemas.openxmlformats.org/presentationml/2006/main">
+  <p:cSld>
+    <p:spTree>
+      <p:nvGrpSpPr>
+        <p:cNvPr id="1" name=""/>
+        <p:cNvGrpSpPr/>
+        <p:nvPr/>
+      </p:nvGrpSpPr>
+      <p:grpSpPr>
+        <a:xfrm>
+          <a:off x="0" y="0"/>
+          <a:ext cx="0" cy="0"/>
+          <a:chOff x="0" y="0"/>
+          <a:chExt cx="0" cy="0"/>
+        </a:xfrm>
+      </p:grpSpPr>
+      <p:sp>
+        <p:nvSpPr>
+          <p:cNvPr id="2" name="מציין מיקום של תמונת שקופית 1"/>
+          <p:cNvSpPr>
+            <a:spLocks noGrp="1" noRot="1" noChangeAspect="1"/>
+          </p:cNvSpPr>
+          <p:nvPr>
+            <p:ph type="sldImg"/>
+          </p:nvPr>
+        </p:nvSpPr>
+        <p:spPr/>
+      </p:sp>
+      <p:sp>
+        <p:nvSpPr>
+          <p:cNvPr id="3" name="מציין מיקום של הערות 2"/>
+          <p:cNvSpPr>
+            <a:spLocks noGrp="1"/>
+          </p:cNvSpPr>
+          <p:nvPr>
+            <p:ph type="body" idx="1"/>
+          </p:nvPr>
+        </p:nvSpPr>
+        <p:spPr/>
+        <p:txBody>
+          <a:bodyPr>
+            <a:normAutofit/>
+          </a:bodyPr>
+          <a:lstStyle/>
+          <a:p>
+            <a:endParaRPr lang="he-IL" dirty="0"/>
+          </a:p>
+        </p:txBody>
+      </p:sp>
+      <p:sp>
+        <p:nvSpPr>
+          <p:cNvPr id="4" name="מציין מיקום של מספר שקופית 3"/>
+          <p:cNvSpPr>
+            <a:spLocks noGrp="1"/>
+          </p:cNvSpPr>
+          <p:nvPr>
+            <p:ph type="sldNum" sz="quarter" idx="10"/>
+          </p:nvPr>
+        </p:nvSpPr>
+        <p:spPr/>
+        <p:txBody>
+          <a:bodyPr/>
+          <a:lstStyle/>
+          <a:p>
+            <a:fld id="{76E0AAD9-266E-43D8-961A-3B8DC630DDE3}" type="slidenum">
+              <a:rPr lang="he-IL" smtClean="0"/>
+              <a:t>1</a:t>
+            </a:fld>
+            <a:endParaRPr lang="he-IL"/>
+          </a:p>
+        </p:txBody>
+      </p:sp>
+    </p:spTree>
+  </p:cSld>
+  <p:clrMapOvr>
+    <a:masterClrMapping/>
+  </p:clrMapOvr>
+</p:notes>
+</file>
+
 <file path=ppt/slideLayouts/slideLayout1.xml><?xml version="1.0" encoding="utf-8"?>
 <p:sldLayout xmlns:a="http://schemas.openxmlformats.org/drawingml/2006/main" xmlns:r="http://schemas.openxmlformats.org/officeDocument/2006/relationships" xmlns:p="http://schemas.openxmlformats.org/presentationml/2006/main" type="title" preserve="1">
   <p:cSld name="שקופית כותרת">
@@ -292,7 +724,7 @@
             <a:fld id="{C6016775-585C-450C-AD5A-A4B8786E552B}" type="datetimeFigureOut">
               <a:rPr lang="he-IL" smtClean="0"/>
               <a:pPr/>
-              <a:t>י"ט/טבת/תשע"ב</a:t>
+              <a:t>כ'/טבת/תשע"ב</a:t>
             </a:fld>
             <a:endParaRPr lang="he-IL"/>
           </a:p>
@@ -459,7 +891,7 @@
             <a:fld id="{C6016775-585C-450C-AD5A-A4B8786E552B}" type="datetimeFigureOut">
               <a:rPr lang="he-IL" smtClean="0"/>
               <a:pPr/>
-              <a:t>י"ט/טבת/תשע"ב</a:t>
+              <a:t>כ'/טבת/תשע"ב</a:t>
             </a:fld>
             <a:endParaRPr lang="he-IL"/>
           </a:p>
@@ -636,7 +1068,7 @@
             <a:fld id="{C6016775-585C-450C-AD5A-A4B8786E552B}" type="datetimeFigureOut">
               <a:rPr lang="he-IL" smtClean="0"/>
               <a:pPr/>
-              <a:t>י"ט/טבת/תשע"ב</a:t>
+              <a:t>כ'/טבת/תשע"ב</a:t>
             </a:fld>
             <a:endParaRPr lang="he-IL"/>
           </a:p>
@@ -803,7 +1235,7 @@
             <a:fld id="{C6016775-585C-450C-AD5A-A4B8786E552B}" type="datetimeFigureOut">
               <a:rPr lang="he-IL" smtClean="0"/>
               <a:pPr/>
-              <a:t>י"ט/טבת/תשע"ב</a:t>
+              <a:t>כ'/טבת/תשע"ב</a:t>
             </a:fld>
             <a:endParaRPr lang="he-IL"/>
           </a:p>
@@ -1046,7 +1478,7 @@
             <a:fld id="{C6016775-585C-450C-AD5A-A4B8786E552B}" type="datetimeFigureOut">
               <a:rPr lang="he-IL" smtClean="0"/>
               <a:pPr/>
-              <a:t>י"ט/טבת/תשע"ב</a:t>
+              <a:t>כ'/טבת/תשע"ב</a:t>
             </a:fld>
             <a:endParaRPr lang="he-IL"/>
           </a:p>
@@ -1331,7 +1763,7 @@
             <a:fld id="{C6016775-585C-450C-AD5A-A4B8786E552B}" type="datetimeFigureOut">
               <a:rPr lang="he-IL" smtClean="0"/>
               <a:pPr/>
-              <a:t>י"ט/טבת/תשע"ב</a:t>
+              <a:t>כ'/טבת/תשע"ב</a:t>
             </a:fld>
             <a:endParaRPr lang="he-IL"/>
           </a:p>
@@ -1750,7 +2182,7 @@
             <a:fld id="{C6016775-585C-450C-AD5A-A4B8786E552B}" type="datetimeFigureOut">
               <a:rPr lang="he-IL" smtClean="0"/>
               <a:pPr/>
-              <a:t>י"ט/טבת/תשע"ב</a:t>
+              <a:t>כ'/טבת/תשע"ב</a:t>
             </a:fld>
             <a:endParaRPr lang="he-IL"/>
           </a:p>
@@ -1865,7 +2297,7 @@
             <a:fld id="{C6016775-585C-450C-AD5A-A4B8786E552B}" type="datetimeFigureOut">
               <a:rPr lang="he-IL" smtClean="0"/>
               <a:pPr/>
-              <a:t>י"ט/טבת/תשע"ב</a:t>
+              <a:t>כ'/טבת/תשע"ב</a:t>
             </a:fld>
             <a:endParaRPr lang="he-IL"/>
           </a:p>
@@ -1957,7 +2389,7 @@
             <a:fld id="{C6016775-585C-450C-AD5A-A4B8786E552B}" type="datetimeFigureOut">
               <a:rPr lang="he-IL" smtClean="0"/>
               <a:pPr/>
-              <a:t>י"ט/טבת/תשע"ב</a:t>
+              <a:t>כ'/טבת/תשע"ב</a:t>
             </a:fld>
             <a:endParaRPr lang="he-IL"/>
           </a:p>
@@ -2231,7 +2663,7 @@
             <a:fld id="{C6016775-585C-450C-AD5A-A4B8786E552B}" type="datetimeFigureOut">
               <a:rPr lang="he-IL" smtClean="0"/>
               <a:pPr/>
-              <a:t>י"ט/טבת/תשע"ב</a:t>
+              <a:t>כ'/טבת/תשע"ב</a:t>
             </a:fld>
             <a:endParaRPr lang="he-IL"/>
           </a:p>
@@ -2481,7 +2913,7 @@
             <a:fld id="{C6016775-585C-450C-AD5A-A4B8786E552B}" type="datetimeFigureOut">
               <a:rPr lang="he-IL" smtClean="0"/>
               <a:pPr/>
-              <a:t>י"ט/טבת/תשע"ב</a:t>
+              <a:t>כ'/טבת/תשע"ב</a:t>
             </a:fld>
             <a:endParaRPr lang="he-IL"/>
           </a:p>
@@ -2691,7 +3123,7 @@
             <a:fld id="{C6016775-585C-450C-AD5A-A4B8786E552B}" type="datetimeFigureOut">
               <a:rPr lang="he-IL" smtClean="0"/>
               <a:pPr/>
-              <a:t>י"ט/טבת/תשע"ב</a:t>
+              <a:t>כ'/טבת/תשע"ב</a:t>
             </a:fld>
             <a:endParaRPr lang="he-IL"/>
           </a:p>
@@ -3064,16 +3496,16 @@
       </p:grpSpPr>
       <p:grpSp>
         <p:nvGrpSpPr>
-          <p:cNvPr id="80" name="קבוצה 79"/>
+          <p:cNvPr id="50" name="קבוצה 49"/>
           <p:cNvGrpSpPr/>
           <p:nvPr/>
         </p:nvGrpSpPr>
         <p:grpSpPr>
           <a:xfrm>
             <a:off x="571472" y="928670"/>
-            <a:ext cx="7875280" cy="3857652"/>
+            <a:ext cx="8143932" cy="3857652"/>
             <a:chOff x="571472" y="928670"/>
-            <a:chExt cx="7875280" cy="3857652"/>
+            <a:chExt cx="8143932" cy="3857652"/>
           </a:xfrm>
         </p:grpSpPr>
         <p:sp>
@@ -3312,242 +3744,6 @@
             </a:p>
           </p:txBody>
         </p:sp>
-        <p:grpSp>
-          <p:nvGrpSpPr>
-            <p:cNvPr id="36" name="קבוצה 35"/>
-            <p:cNvGrpSpPr/>
-            <p:nvPr/>
-          </p:nvGrpSpPr>
-          <p:grpSpPr>
-            <a:xfrm>
-              <a:off x="6242434" y="1267237"/>
-              <a:ext cx="1687152" cy="383146"/>
-              <a:chOff x="5436096" y="1108245"/>
-              <a:chExt cx="1687152" cy="376540"/>
-            </a:xfrm>
-          </p:grpSpPr>
-          <p:cxnSp>
-            <p:nvCxnSpPr>
-              <p:cNvPr id="34" name="מחבר ישר 33"/>
-              <p:cNvCxnSpPr/>
-              <p:nvPr/>
-            </p:nvCxnSpPr>
-            <p:spPr>
-              <a:xfrm flipV="1">
-                <a:off x="5436096" y="1477577"/>
-                <a:ext cx="1401400" cy="7208"/>
-              </a:xfrm>
-              <a:prstGeom prst="line">
-                <a:avLst/>
-              </a:prstGeom>
-              <a:ln>
-                <a:tailEnd type="triangle"/>
-              </a:ln>
-            </p:spPr>
-            <p:style>
-              <a:lnRef idx="1">
-                <a:schemeClr val="accent1"/>
-              </a:lnRef>
-              <a:fillRef idx="0">
-                <a:schemeClr val="accent1"/>
-              </a:fillRef>
-              <a:effectRef idx="0">
-                <a:schemeClr val="accent1"/>
-              </a:effectRef>
-              <a:fontRef idx="minor">
-                <a:schemeClr val="tx1"/>
-              </a:fontRef>
-            </p:style>
-          </p:cxnSp>
-          <p:sp>
-            <p:nvSpPr>
-              <p:cNvPr id="35" name="TextBox 34"/>
-              <p:cNvSpPr txBox="1"/>
-              <p:nvPr/>
-            </p:nvSpPr>
-            <p:spPr>
-              <a:xfrm>
-                <a:off x="5467064" y="1108245"/>
-                <a:ext cx="1656184" cy="369332"/>
-              </a:xfrm>
-              <a:prstGeom prst="rect">
-                <a:avLst/>
-              </a:prstGeom>
-              <a:noFill/>
-            </p:spPr>
-            <p:txBody>
-              <a:bodyPr wrap="square" rtlCol="1">
-                <a:spAutoFit/>
-              </a:bodyPr>
-              <a:lstStyle/>
-              <a:p>
-                <a:pPr algn="l" rtl="0"/>
-                <a:r>
-                  <a:rPr lang="en-US" dirty="0" err="1" smtClean="0"/>
-                  <a:t>RAM_in_valid</a:t>
-                </a:r>
-                <a:endParaRPr lang="he-IL" dirty="0"/>
-              </a:p>
-            </p:txBody>
-          </p:sp>
-        </p:grpSp>
-        <p:grpSp>
-          <p:nvGrpSpPr>
-            <p:cNvPr id="37" name="קבוצה 36"/>
-            <p:cNvGrpSpPr/>
-            <p:nvPr/>
-          </p:nvGrpSpPr>
-          <p:grpSpPr>
-            <a:xfrm>
-              <a:off x="6242434" y="1714489"/>
-              <a:ext cx="2160240" cy="369332"/>
-              <a:chOff x="5436096" y="1125027"/>
-              <a:chExt cx="1728192" cy="362964"/>
-            </a:xfrm>
-          </p:grpSpPr>
-          <p:cxnSp>
-            <p:nvCxnSpPr>
-              <p:cNvPr id="38" name="מחבר ישר 37"/>
-              <p:cNvCxnSpPr/>
-              <p:nvPr/>
-            </p:nvCxnSpPr>
-            <p:spPr>
-              <a:xfrm flipV="1">
-                <a:off x="5436096" y="1476059"/>
-                <a:ext cx="1121120" cy="8725"/>
-              </a:xfrm>
-              <a:prstGeom prst="line">
-                <a:avLst/>
-              </a:prstGeom>
-              <a:ln>
-                <a:tailEnd type="triangle"/>
-              </a:ln>
-            </p:spPr>
-            <p:style>
-              <a:lnRef idx="1">
-                <a:schemeClr val="accent1"/>
-              </a:lnRef>
-              <a:fillRef idx="0">
-                <a:schemeClr val="accent1"/>
-              </a:fillRef>
-              <a:effectRef idx="0">
-                <a:schemeClr val="accent1"/>
-              </a:effectRef>
-              <a:fontRef idx="minor">
-                <a:schemeClr val="tx1"/>
-              </a:fontRef>
-            </p:style>
-          </p:cxnSp>
-          <p:sp>
-            <p:nvSpPr>
-              <p:cNvPr id="39" name="TextBox 38"/>
-              <p:cNvSpPr txBox="1"/>
-              <p:nvPr/>
-            </p:nvSpPr>
-            <p:spPr>
-              <a:xfrm>
-                <a:off x="5508104" y="1125027"/>
-                <a:ext cx="1656184" cy="362964"/>
-              </a:xfrm>
-              <a:prstGeom prst="rect">
-                <a:avLst/>
-              </a:prstGeom>
-              <a:noFill/>
-            </p:spPr>
-            <p:txBody>
-              <a:bodyPr wrap="square" rtlCol="1">
-                <a:spAutoFit/>
-              </a:bodyPr>
-              <a:lstStyle/>
-              <a:p>
-                <a:pPr algn="l" rtl="0"/>
-                <a:r>
-                  <a:rPr lang="en-US" dirty="0" err="1" smtClean="0"/>
-                  <a:t>RAM_adr_wr</a:t>
-                </a:r>
-                <a:r>
-                  <a:rPr lang="en-US" dirty="0" smtClean="0"/>
-                  <a:t> </a:t>
-                </a:r>
-                <a:r>
-                  <a:rPr lang="en-US" dirty="0" smtClean="0"/>
-                  <a:t>[8..0]</a:t>
-                </a:r>
-                <a:endParaRPr lang="he-IL" dirty="0"/>
-              </a:p>
-            </p:txBody>
-          </p:sp>
-        </p:grpSp>
-        <p:sp>
-          <p:nvSpPr>
-            <p:cNvPr id="42" name="TextBox 41"/>
-            <p:cNvSpPr txBox="1"/>
-            <p:nvPr/>
-          </p:nvSpPr>
-          <p:spPr>
-            <a:xfrm>
-              <a:off x="6286512" y="2214554"/>
-              <a:ext cx="2160240" cy="375812"/>
-            </a:xfrm>
-            <a:prstGeom prst="rect">
-              <a:avLst/>
-            </a:prstGeom>
-            <a:noFill/>
-          </p:spPr>
-          <p:txBody>
-            <a:bodyPr wrap="square" rtlCol="1">
-              <a:spAutoFit/>
-            </a:bodyPr>
-            <a:lstStyle/>
-            <a:p>
-              <a:pPr algn="l" rtl="0"/>
-              <a:r>
-                <a:rPr lang="en-US" dirty="0" err="1" smtClean="0"/>
-                <a:t>RAM_data_in</a:t>
-              </a:r>
-              <a:r>
-                <a:rPr lang="en-US" dirty="0" smtClean="0"/>
-                <a:t>[13</a:t>
-              </a:r>
-              <a:r>
-                <a:rPr lang="en-US" dirty="0" smtClean="0"/>
-                <a:t>..0]</a:t>
-              </a:r>
-              <a:endParaRPr lang="he-IL" dirty="0"/>
-            </a:p>
-          </p:txBody>
-        </p:sp>
-        <p:sp>
-          <p:nvSpPr>
-            <p:cNvPr id="45" name="TextBox 44"/>
-            <p:cNvSpPr txBox="1"/>
-            <p:nvPr/>
-          </p:nvSpPr>
-          <p:spPr>
-            <a:xfrm>
-              <a:off x="6286512" y="2643182"/>
-              <a:ext cx="1656184" cy="369332"/>
-            </a:xfrm>
-            <a:prstGeom prst="rect">
-              <a:avLst/>
-            </a:prstGeom>
-            <a:noFill/>
-          </p:spPr>
-          <p:txBody>
-            <a:bodyPr wrap="square" rtlCol="1">
-              <a:spAutoFit/>
-            </a:bodyPr>
-            <a:lstStyle/>
-            <a:p>
-              <a:pPr algn="l" rtl="0"/>
-              <a:r>
-                <a:rPr lang="en-US" dirty="0" err="1" smtClean="0"/>
-                <a:t>rd_mng_valid</a:t>
-              </a:r>
-              <a:endParaRPr lang="he-IL" dirty="0"/>
-            </a:p>
-          </p:txBody>
-        </p:sp>
         <p:sp>
           <p:nvSpPr>
             <p:cNvPr id="58" name="TextBox 57"/>
@@ -3587,72 +3783,6 @@
           <p:spPr>
             <a:xfrm flipV="1">
               <a:off x="6242434" y="3500438"/>
-              <a:ext cx="1472838" cy="8878"/>
-            </a:xfrm>
-            <a:prstGeom prst="line">
-              <a:avLst/>
-            </a:prstGeom>
-            <a:ln>
-              <a:tailEnd type="triangle"/>
-            </a:ln>
-          </p:spPr>
-          <p:style>
-            <a:lnRef idx="1">
-              <a:schemeClr val="accent1"/>
-            </a:lnRef>
-            <a:fillRef idx="0">
-              <a:schemeClr val="accent1"/>
-            </a:fillRef>
-            <a:effectRef idx="0">
-              <a:schemeClr val="accent1"/>
-            </a:effectRef>
-            <a:fontRef idx="minor">
-              <a:schemeClr val="tx1"/>
-            </a:fontRef>
-          </p:style>
-        </p:cxnSp>
-        <p:cxnSp>
-          <p:nvCxnSpPr>
-            <p:cNvPr id="63" name="מחבר ישר 62"/>
-            <p:cNvCxnSpPr/>
-            <p:nvPr/>
-          </p:nvCxnSpPr>
-          <p:spPr>
-            <a:xfrm flipV="1">
-              <a:off x="6215074" y="3000372"/>
-              <a:ext cx="1472838" cy="8878"/>
-            </a:xfrm>
-            <a:prstGeom prst="line">
-              <a:avLst/>
-            </a:prstGeom>
-            <a:ln>
-              <a:tailEnd type="triangle"/>
-            </a:ln>
-          </p:spPr>
-          <p:style>
-            <a:lnRef idx="1">
-              <a:schemeClr val="accent1"/>
-            </a:lnRef>
-            <a:fillRef idx="0">
-              <a:schemeClr val="accent1"/>
-            </a:fillRef>
-            <a:effectRef idx="0">
-              <a:schemeClr val="accent1"/>
-            </a:effectRef>
-            <a:fontRef idx="minor">
-              <a:schemeClr val="tx1"/>
-            </a:fontRef>
-          </p:style>
-        </p:cxnSp>
-        <p:cxnSp>
-          <p:nvCxnSpPr>
-            <p:cNvPr id="64" name="מחבר ישר 63"/>
-            <p:cNvCxnSpPr/>
-            <p:nvPr/>
-          </p:nvCxnSpPr>
-          <p:spPr>
-            <a:xfrm flipV="1">
-              <a:off x="6242434" y="2571744"/>
               <a:ext cx="1472838" cy="8878"/>
             </a:xfrm>
             <a:prstGeom prst="line">
@@ -4094,6 +4224,209 @@
             </a:fontRef>
           </p:style>
         </p:cxnSp>
+        <p:sp>
+          <p:nvSpPr>
+            <p:cNvPr id="40" name="TextBox 39"/>
+            <p:cNvSpPr txBox="1"/>
+            <p:nvPr/>
+          </p:nvSpPr>
+          <p:spPr>
+            <a:xfrm>
+              <a:off x="5984800" y="1142984"/>
+              <a:ext cx="2016224" cy="368636"/>
+            </a:xfrm>
+            <a:prstGeom prst="rect">
+              <a:avLst/>
+            </a:prstGeom>
+            <a:noFill/>
+          </p:spPr>
+          <p:txBody>
+            <a:bodyPr wrap="square" rtlCol="1">
+              <a:spAutoFit/>
+            </a:bodyPr>
+            <a:lstStyle/>
+            <a:p>
+              <a:r>
+                <a:rPr lang="en-US" dirty="0" err="1" smtClean="0"/>
+                <a:t>Com_fifo_wr_en</a:t>
+              </a:r>
+              <a:endParaRPr lang="he-IL" dirty="0"/>
+            </a:p>
+          </p:txBody>
+        </p:sp>
+        <p:sp>
+          <p:nvSpPr>
+            <p:cNvPr id="41" name="TextBox 40"/>
+            <p:cNvSpPr txBox="1"/>
+            <p:nvPr/>
+          </p:nvSpPr>
+          <p:spPr>
+            <a:xfrm>
+              <a:off x="6163016" y="2059536"/>
+              <a:ext cx="2552388" cy="369332"/>
+            </a:xfrm>
+            <a:prstGeom prst="rect">
+              <a:avLst/>
+            </a:prstGeom>
+            <a:noFill/>
+          </p:spPr>
+          <p:txBody>
+            <a:bodyPr wrap="square" rtlCol="1">
+              <a:spAutoFit/>
+            </a:bodyPr>
+            <a:lstStyle/>
+            <a:p>
+              <a:pPr algn="r"/>
+              <a:r>
+                <a:rPr lang="en-US" dirty="0" err="1" smtClean="0"/>
+                <a:t>Com_fifo_data_in</a:t>
+              </a:r>
+              <a:r>
+                <a:rPr lang="en-US" dirty="0" smtClean="0"/>
+                <a:t>[23..0]</a:t>
+              </a:r>
+              <a:endParaRPr lang="he-IL" dirty="0"/>
+            </a:p>
+          </p:txBody>
+        </p:sp>
+        <p:cxnSp>
+          <p:nvCxnSpPr>
+            <p:cNvPr id="43" name="מחבר חץ ישר 42"/>
+            <p:cNvCxnSpPr/>
+            <p:nvPr/>
+          </p:nvCxnSpPr>
+          <p:spPr>
+            <a:xfrm>
+              <a:off x="6286480" y="1500174"/>
+              <a:ext cx="2000264" cy="1588"/>
+            </a:xfrm>
+            <a:prstGeom prst="straightConnector1">
+              <a:avLst/>
+            </a:prstGeom>
+            <a:ln>
+              <a:solidFill>
+                <a:schemeClr val="accent1"/>
+              </a:solidFill>
+              <a:tailEnd type="triangle"/>
+            </a:ln>
+          </p:spPr>
+          <p:style>
+            <a:lnRef idx="1">
+              <a:schemeClr val="accent1"/>
+            </a:lnRef>
+            <a:fillRef idx="0">
+              <a:schemeClr val="accent1"/>
+            </a:fillRef>
+            <a:effectRef idx="0">
+              <a:schemeClr val="accent1"/>
+            </a:effectRef>
+            <a:fontRef idx="minor">
+              <a:schemeClr val="tx1"/>
+            </a:fontRef>
+          </p:style>
+        </p:cxnSp>
+        <p:cxnSp>
+          <p:nvCxnSpPr>
+            <p:cNvPr id="44" name="מחבר חץ ישר 43"/>
+            <p:cNvCxnSpPr/>
+            <p:nvPr/>
+          </p:nvCxnSpPr>
+          <p:spPr>
+            <a:xfrm>
+              <a:off x="6286480" y="1998652"/>
+              <a:ext cx="2000264" cy="1588"/>
+            </a:xfrm>
+            <a:prstGeom prst="straightConnector1">
+              <a:avLst/>
+            </a:prstGeom>
+            <a:ln>
+              <a:solidFill>
+                <a:schemeClr val="accent1"/>
+              </a:solidFill>
+              <a:tailEnd type="triangle"/>
+            </a:ln>
+          </p:spPr>
+          <p:style>
+            <a:lnRef idx="1">
+              <a:schemeClr val="accent1"/>
+            </a:lnRef>
+            <a:fillRef idx="0">
+              <a:schemeClr val="accent1"/>
+            </a:fillRef>
+            <a:effectRef idx="0">
+              <a:schemeClr val="accent1"/>
+            </a:effectRef>
+            <a:fontRef idx="minor">
+              <a:schemeClr val="tx1"/>
+            </a:fontRef>
+          </p:style>
+        </p:cxnSp>
+        <p:sp>
+          <p:nvSpPr>
+            <p:cNvPr id="46" name="TextBox 45"/>
+            <p:cNvSpPr txBox="1"/>
+            <p:nvPr/>
+          </p:nvSpPr>
+          <p:spPr>
+            <a:xfrm>
+              <a:off x="6072198" y="1643050"/>
+              <a:ext cx="2016224" cy="368636"/>
+            </a:xfrm>
+            <a:prstGeom prst="rect">
+              <a:avLst/>
+            </a:prstGeom>
+            <a:noFill/>
+          </p:spPr>
+          <p:txBody>
+            <a:bodyPr wrap="square" rtlCol="1">
+              <a:spAutoFit/>
+            </a:bodyPr>
+            <a:lstStyle/>
+            <a:p>
+              <a:r>
+                <a:rPr lang="en-US" dirty="0" err="1" smtClean="0"/>
+                <a:t>Com_fifo_in_valid</a:t>
+              </a:r>
+              <a:endParaRPr lang="he-IL" dirty="0"/>
+            </a:p>
+          </p:txBody>
+        </p:sp>
+        <p:cxnSp>
+          <p:nvCxnSpPr>
+            <p:cNvPr id="47" name="מחבר חץ ישר 46"/>
+            <p:cNvCxnSpPr/>
+            <p:nvPr/>
+          </p:nvCxnSpPr>
+          <p:spPr>
+            <a:xfrm>
+              <a:off x="6250382" y="2417422"/>
+              <a:ext cx="2000264" cy="1588"/>
+            </a:xfrm>
+            <a:prstGeom prst="straightConnector1">
+              <a:avLst/>
+            </a:prstGeom>
+            <a:ln>
+              <a:solidFill>
+                <a:schemeClr val="accent1"/>
+              </a:solidFill>
+              <a:tailEnd type="triangle"/>
+            </a:ln>
+          </p:spPr>
+          <p:style>
+            <a:lnRef idx="1">
+              <a:schemeClr val="accent1"/>
+            </a:lnRef>
+            <a:fillRef idx="0">
+              <a:schemeClr val="accent1"/>
+            </a:fillRef>
+            <a:effectRef idx="0">
+              <a:schemeClr val="accent1"/>
+            </a:effectRef>
+            <a:fontRef idx="minor">
+              <a:schemeClr val="tx1"/>
+            </a:fontRef>
+          </p:style>
+        </p:cxnSp>
       </p:grpSp>
     </p:spTree>
   </p:cSld>
@@ -4191,11 +4524,7 @@
             </a:r>
             <a:r>
               <a:rPr lang="en-US" dirty="0" smtClean="0"/>
-              <a:t>[8</a:t>
-            </a:r>
-            <a:r>
-              <a:rPr lang="en-US" dirty="0" smtClean="0"/>
-              <a:t>..0]</a:t>
+              <a:t>[8..0]</a:t>
             </a:r>
             <a:endParaRPr lang="he-IL" dirty="0"/>
           </a:p>
@@ -4260,11 +4589,7 @@
             </a:r>
             <a:r>
               <a:rPr lang="en-US" dirty="0" smtClean="0"/>
-              <a:t>[13</a:t>
-            </a:r>
-            <a:r>
-              <a:rPr lang="en-US" dirty="0" smtClean="0"/>
-              <a:t>..0]</a:t>
+              <a:t>[13..0]</a:t>
             </a:r>
             <a:endParaRPr lang="he-IL" dirty="0"/>
           </a:p>
@@ -4518,11 +4843,7 @@
             </a:r>
             <a:r>
               <a:rPr lang="en-US" dirty="0" smtClean="0"/>
-              <a:t>[8</a:t>
-            </a:r>
-            <a:r>
-              <a:rPr lang="en-US" dirty="0" smtClean="0"/>
-              <a:t>..0]</a:t>
+              <a:t>[8..0]</a:t>
             </a:r>
             <a:endParaRPr lang="he-IL" dirty="0"/>
           </a:p>
@@ -4552,15 +4873,7 @@
           <a:p>
             <a:r>
               <a:rPr lang="en-US" dirty="0" err="1" smtClean="0"/>
-              <a:t>RAM_</a:t>
-            </a:r>
-            <a:r>
-              <a:rPr lang="en-US" dirty="0" err="1" smtClean="0"/>
-              <a:t>r</a:t>
-            </a:r>
-            <a:r>
-              <a:rPr lang="en-US" dirty="0" err="1" smtClean="0"/>
-              <a:t>d_en</a:t>
+              <a:t>RAM_rd_en</a:t>
             </a:r>
             <a:endParaRPr lang="he-IL" dirty="0"/>
           </a:p>
@@ -4667,11 +4980,7 @@
             </a:r>
             <a:r>
               <a:rPr lang="en-US" dirty="0" smtClean="0"/>
-              <a:t>[13</a:t>
-            </a:r>
-            <a:r>
-              <a:rPr lang="en-US" dirty="0" smtClean="0"/>
-              <a:t>..0]</a:t>
+              <a:t>[13..0]</a:t>
             </a:r>
             <a:endParaRPr lang="he-IL" dirty="0"/>
           </a:p>
@@ -4936,232 +5245,802 @@
           <a:chExt cx="0" cy="0"/>
         </a:xfrm>
       </p:grpSpPr>
+      <p:sp>
+        <p:nvSpPr>
+          <p:cNvPr id="3" name="מלבן 2"/>
+          <p:cNvSpPr/>
+          <p:nvPr/>
+        </p:nvSpPr>
+        <p:spPr>
+          <a:xfrm>
+            <a:off x="2767810" y="500042"/>
+            <a:ext cx="3456384" cy="5286412"/>
+          </a:xfrm>
+          <a:prstGeom prst="rect">
+            <a:avLst/>
+          </a:prstGeom>
+          <a:solidFill>
+            <a:schemeClr val="bg2"/>
+          </a:solidFill>
+        </p:spPr>
+        <p:style>
+          <a:lnRef idx="2">
+            <a:schemeClr val="accent1">
+              <a:shade val="50000"/>
+            </a:schemeClr>
+          </a:lnRef>
+          <a:fillRef idx="1">
+            <a:schemeClr val="accent1"/>
+          </a:fillRef>
+          <a:effectRef idx="0">
+            <a:schemeClr val="accent1"/>
+          </a:effectRef>
+          <a:fontRef idx="minor">
+            <a:schemeClr val="lt1"/>
+          </a:fontRef>
+        </p:style>
+        <p:txBody>
+          <a:bodyPr rtlCol="1" anchor="ctr"/>
+          <a:lstStyle/>
+          <a:p>
+            <a:pPr algn="ctr"/>
+            <a:endParaRPr lang="he-IL"/>
+          </a:p>
+        </p:txBody>
+      </p:sp>
+      <p:sp>
+        <p:nvSpPr>
+          <p:cNvPr id="5" name="TextBox 4"/>
+          <p:cNvSpPr txBox="1"/>
+          <p:nvPr/>
+        </p:nvSpPr>
+        <p:spPr>
+          <a:xfrm>
+            <a:off x="607570" y="2714620"/>
+            <a:ext cx="2016224" cy="368636"/>
+          </a:xfrm>
+          <a:prstGeom prst="rect">
+            <a:avLst/>
+          </a:prstGeom>
+          <a:noFill/>
+        </p:spPr>
+        <p:txBody>
+          <a:bodyPr wrap="square" rtlCol="1">
+            <a:spAutoFit/>
+          </a:bodyPr>
+          <a:lstStyle/>
+          <a:p>
+            <a:r>
+              <a:rPr lang="en-US" dirty="0" err="1" smtClean="0"/>
+              <a:t>Com_fifo_wr_en</a:t>
+            </a:r>
+            <a:endParaRPr lang="he-IL" dirty="0"/>
+          </a:p>
+        </p:txBody>
+      </p:sp>
+      <p:sp>
+        <p:nvSpPr>
+          <p:cNvPr id="6" name="TextBox 5"/>
+          <p:cNvSpPr txBox="1"/>
+          <p:nvPr/>
+        </p:nvSpPr>
+        <p:spPr>
+          <a:xfrm>
+            <a:off x="142844" y="3631172"/>
+            <a:ext cx="2552388" cy="369332"/>
+          </a:xfrm>
+          <a:prstGeom prst="rect">
+            <a:avLst/>
+          </a:prstGeom>
+          <a:noFill/>
+        </p:spPr>
+        <p:txBody>
+          <a:bodyPr wrap="square" rtlCol="1">
+            <a:spAutoFit/>
+          </a:bodyPr>
+          <a:lstStyle/>
+          <a:p>
+            <a:pPr algn="r"/>
+            <a:r>
+              <a:rPr lang="en-US" dirty="0" err="1" smtClean="0"/>
+              <a:t>Com_fifo_data_in</a:t>
+            </a:r>
+            <a:r>
+              <a:rPr lang="en-US" dirty="0" smtClean="0"/>
+              <a:t>[23..0]</a:t>
+            </a:r>
+            <a:endParaRPr lang="he-IL" dirty="0"/>
+          </a:p>
+        </p:txBody>
+      </p:sp>
+      <p:sp>
+        <p:nvSpPr>
+          <p:cNvPr id="7" name="TextBox 6"/>
+          <p:cNvSpPr txBox="1"/>
+          <p:nvPr/>
+        </p:nvSpPr>
+        <p:spPr>
+          <a:xfrm>
+            <a:off x="3571868" y="2857496"/>
+            <a:ext cx="2011664" cy="646331"/>
+          </a:xfrm>
+          <a:prstGeom prst="rect">
+            <a:avLst/>
+          </a:prstGeom>
+          <a:noFill/>
+        </p:spPr>
+        <p:txBody>
+          <a:bodyPr wrap="square" rtlCol="1">
+            <a:spAutoFit/>
+          </a:bodyPr>
+          <a:lstStyle/>
+          <a:p>
+            <a:pPr algn="ctr" rtl="0"/>
+            <a:r>
+              <a:rPr lang="en-US" dirty="0" smtClean="0"/>
+              <a:t>Command FIFO</a:t>
+            </a:r>
+          </a:p>
+          <a:p>
+            <a:pPr algn="ctr" rtl="0"/>
+            <a:r>
+              <a:rPr lang="en-US" dirty="0" smtClean="0"/>
+              <a:t>300X24 (</a:t>
+            </a:r>
+            <a:r>
+              <a:rPr lang="en-US" dirty="0" err="1" smtClean="0"/>
+              <a:t>rowxbit</a:t>
+            </a:r>
+            <a:r>
+              <a:rPr lang="en-US" dirty="0" smtClean="0"/>
+              <a:t>)</a:t>
+            </a:r>
+            <a:endParaRPr lang="he-IL" dirty="0"/>
+          </a:p>
+        </p:txBody>
+      </p:sp>
+      <p:cxnSp>
+        <p:nvCxnSpPr>
+          <p:cNvPr id="9" name="מחבר חץ ישר 8"/>
+          <p:cNvCxnSpPr/>
+          <p:nvPr/>
+        </p:nvCxnSpPr>
+        <p:spPr>
+          <a:xfrm>
+            <a:off x="714348" y="3071810"/>
+            <a:ext cx="2000264" cy="1588"/>
+          </a:xfrm>
+          <a:prstGeom prst="straightConnector1">
+            <a:avLst/>
+          </a:prstGeom>
+          <a:ln>
+            <a:solidFill>
+              <a:schemeClr val="accent1"/>
+            </a:solidFill>
+            <a:tailEnd type="triangle"/>
+          </a:ln>
+        </p:spPr>
+        <p:style>
+          <a:lnRef idx="1">
+            <a:schemeClr val="accent1"/>
+          </a:lnRef>
+          <a:fillRef idx="0">
+            <a:schemeClr val="accent1"/>
+          </a:fillRef>
+          <a:effectRef idx="0">
+            <a:schemeClr val="accent1"/>
+          </a:effectRef>
+          <a:fontRef idx="minor">
+            <a:schemeClr val="tx1"/>
+          </a:fontRef>
+        </p:style>
+      </p:cxnSp>
+      <p:cxnSp>
+        <p:nvCxnSpPr>
+          <p:cNvPr id="10" name="מחבר חץ ישר 9"/>
+          <p:cNvCxnSpPr/>
+          <p:nvPr/>
+        </p:nvCxnSpPr>
+        <p:spPr>
+          <a:xfrm>
+            <a:off x="714348" y="3570288"/>
+            <a:ext cx="2000264" cy="1588"/>
+          </a:xfrm>
+          <a:prstGeom prst="straightConnector1">
+            <a:avLst/>
+          </a:prstGeom>
+          <a:ln>
+            <a:solidFill>
+              <a:schemeClr val="accent1"/>
+            </a:solidFill>
+            <a:tailEnd type="triangle"/>
+          </a:ln>
+        </p:spPr>
+        <p:style>
+          <a:lnRef idx="1">
+            <a:schemeClr val="accent1"/>
+          </a:lnRef>
+          <a:fillRef idx="0">
+            <a:schemeClr val="accent1"/>
+          </a:fillRef>
+          <a:effectRef idx="0">
+            <a:schemeClr val="accent1"/>
+          </a:effectRef>
+          <a:fontRef idx="minor">
+            <a:schemeClr val="tx1"/>
+          </a:fontRef>
+        </p:style>
+      </p:cxnSp>
+      <p:sp>
+        <p:nvSpPr>
+          <p:cNvPr id="11" name="TextBox 10"/>
+          <p:cNvSpPr txBox="1"/>
+          <p:nvPr/>
+        </p:nvSpPr>
+        <p:spPr>
+          <a:xfrm>
+            <a:off x="571472" y="3214686"/>
+            <a:ext cx="2016224" cy="368636"/>
+          </a:xfrm>
+          <a:prstGeom prst="rect">
+            <a:avLst/>
+          </a:prstGeom>
+          <a:noFill/>
+        </p:spPr>
+        <p:txBody>
+          <a:bodyPr wrap="square" rtlCol="1">
+            <a:spAutoFit/>
+          </a:bodyPr>
+          <a:lstStyle/>
+          <a:p>
+            <a:r>
+              <a:rPr lang="en-US" dirty="0" err="1" smtClean="0"/>
+              <a:t>Com_fifo_in_valid</a:t>
+            </a:r>
+            <a:endParaRPr lang="he-IL" dirty="0"/>
+          </a:p>
+        </p:txBody>
+      </p:sp>
+      <p:cxnSp>
+        <p:nvCxnSpPr>
+          <p:cNvPr id="12" name="מחבר חץ ישר 11"/>
+          <p:cNvCxnSpPr/>
+          <p:nvPr/>
+        </p:nvCxnSpPr>
+        <p:spPr>
+          <a:xfrm>
+            <a:off x="678250" y="3989058"/>
+            <a:ext cx="2000264" cy="1588"/>
+          </a:xfrm>
+          <a:prstGeom prst="straightConnector1">
+            <a:avLst/>
+          </a:prstGeom>
+          <a:ln>
+            <a:solidFill>
+              <a:schemeClr val="accent1"/>
+            </a:solidFill>
+            <a:tailEnd type="triangle"/>
+          </a:ln>
+        </p:spPr>
+        <p:style>
+          <a:lnRef idx="1">
+            <a:schemeClr val="accent1"/>
+          </a:lnRef>
+          <a:fillRef idx="0">
+            <a:schemeClr val="accent1"/>
+          </a:fillRef>
+          <a:effectRef idx="0">
+            <a:schemeClr val="accent1"/>
+          </a:effectRef>
+          <a:fontRef idx="minor">
+            <a:schemeClr val="tx1"/>
+          </a:fontRef>
+        </p:style>
+      </p:cxnSp>
+      <p:sp>
+        <p:nvSpPr>
+          <p:cNvPr id="14" name="TextBox 13"/>
+          <p:cNvSpPr txBox="1"/>
+          <p:nvPr/>
+        </p:nvSpPr>
+        <p:spPr>
+          <a:xfrm>
+            <a:off x="0" y="4429132"/>
+            <a:ext cx="2623794" cy="369332"/>
+          </a:xfrm>
+          <a:prstGeom prst="rect">
+            <a:avLst/>
+          </a:prstGeom>
+          <a:noFill/>
+        </p:spPr>
+        <p:txBody>
+          <a:bodyPr wrap="square" rtlCol="1">
+            <a:spAutoFit/>
+          </a:bodyPr>
+          <a:lstStyle/>
+          <a:p>
+            <a:r>
+              <a:rPr lang="en-US" dirty="0" smtClean="0"/>
+              <a:t>(VSYNC) </a:t>
+            </a:r>
+            <a:r>
+              <a:rPr lang="en-US" dirty="0" err="1" smtClean="0"/>
+              <a:t>Com_fifo_rd_en</a:t>
+            </a:r>
+            <a:endParaRPr lang="he-IL" dirty="0"/>
+          </a:p>
+        </p:txBody>
+      </p:sp>
+      <p:cxnSp>
+        <p:nvCxnSpPr>
+          <p:cNvPr id="16" name="מחבר חץ ישר 15"/>
+          <p:cNvCxnSpPr/>
+          <p:nvPr/>
+        </p:nvCxnSpPr>
+        <p:spPr>
+          <a:xfrm>
+            <a:off x="714348" y="4917752"/>
+            <a:ext cx="2000264" cy="1588"/>
+          </a:xfrm>
+          <a:prstGeom prst="straightConnector1">
+            <a:avLst/>
+          </a:prstGeom>
+          <a:ln>
+            <a:solidFill>
+              <a:schemeClr val="accent1"/>
+            </a:solidFill>
+            <a:tailEnd type="triangle"/>
+          </a:ln>
+        </p:spPr>
+        <p:style>
+          <a:lnRef idx="1">
+            <a:schemeClr val="accent1"/>
+          </a:lnRef>
+          <a:fillRef idx="0">
+            <a:schemeClr val="accent1"/>
+          </a:fillRef>
+          <a:effectRef idx="0">
+            <a:schemeClr val="accent1"/>
+          </a:effectRef>
+          <a:fontRef idx="minor">
+            <a:schemeClr val="tx1"/>
+          </a:fontRef>
+        </p:style>
+      </p:cxnSp>
+      <p:sp>
+        <p:nvSpPr>
+          <p:cNvPr id="21" name="TextBox 20"/>
+          <p:cNvSpPr txBox="1"/>
+          <p:nvPr/>
+        </p:nvSpPr>
+        <p:spPr>
+          <a:xfrm>
+            <a:off x="607570" y="857232"/>
+            <a:ext cx="2016224" cy="368636"/>
+          </a:xfrm>
+          <a:prstGeom prst="rect">
+            <a:avLst/>
+          </a:prstGeom>
+          <a:noFill/>
+        </p:spPr>
+        <p:txBody>
+          <a:bodyPr wrap="square" rtlCol="1">
+            <a:spAutoFit/>
+          </a:bodyPr>
+          <a:lstStyle/>
+          <a:p>
+            <a:r>
+              <a:rPr lang="en-US" dirty="0" smtClean="0"/>
+              <a:t>Clk_133</a:t>
+            </a:r>
+            <a:endParaRPr lang="he-IL" dirty="0"/>
+          </a:p>
+        </p:txBody>
+      </p:sp>
+      <p:sp>
+        <p:nvSpPr>
+          <p:cNvPr id="22" name="TextBox 21"/>
+          <p:cNvSpPr txBox="1"/>
+          <p:nvPr/>
+        </p:nvSpPr>
+        <p:spPr>
+          <a:xfrm>
+            <a:off x="607570" y="1375104"/>
+            <a:ext cx="2016224" cy="368636"/>
+          </a:xfrm>
+          <a:prstGeom prst="rect">
+            <a:avLst/>
+          </a:prstGeom>
+          <a:noFill/>
+        </p:spPr>
+        <p:txBody>
+          <a:bodyPr wrap="square" rtlCol="1">
+            <a:spAutoFit/>
+          </a:bodyPr>
+          <a:lstStyle/>
+          <a:p>
+            <a:r>
+              <a:rPr lang="en-US" dirty="0" smtClean="0"/>
+              <a:t>reset</a:t>
+            </a:r>
+            <a:endParaRPr lang="he-IL" dirty="0"/>
+          </a:p>
+        </p:txBody>
+      </p:sp>
+      <p:cxnSp>
+        <p:nvCxnSpPr>
+          <p:cNvPr id="23" name="מחבר חץ ישר 22"/>
+          <p:cNvCxnSpPr/>
+          <p:nvPr/>
+        </p:nvCxnSpPr>
+        <p:spPr>
+          <a:xfrm>
+            <a:off x="714348" y="1232228"/>
+            <a:ext cx="2000264" cy="1588"/>
+          </a:xfrm>
+          <a:prstGeom prst="straightConnector1">
+            <a:avLst/>
+          </a:prstGeom>
+          <a:ln>
+            <a:solidFill>
+              <a:schemeClr val="accent1"/>
+            </a:solidFill>
+            <a:tailEnd type="triangle"/>
+          </a:ln>
+        </p:spPr>
+        <p:style>
+          <a:lnRef idx="1">
+            <a:schemeClr val="accent1"/>
+          </a:lnRef>
+          <a:fillRef idx="0">
+            <a:schemeClr val="accent1"/>
+          </a:fillRef>
+          <a:effectRef idx="0">
+            <a:schemeClr val="accent1"/>
+          </a:effectRef>
+          <a:fontRef idx="minor">
+            <a:schemeClr val="tx1"/>
+          </a:fontRef>
+        </p:style>
+      </p:cxnSp>
+      <p:cxnSp>
+        <p:nvCxnSpPr>
+          <p:cNvPr id="24" name="מחבר חץ ישר 23"/>
+          <p:cNvCxnSpPr/>
+          <p:nvPr/>
+        </p:nvCxnSpPr>
+        <p:spPr>
+          <a:xfrm>
+            <a:off x="714348" y="1732294"/>
+            <a:ext cx="2000264" cy="1588"/>
+          </a:xfrm>
+          <a:prstGeom prst="straightConnector1">
+            <a:avLst/>
+          </a:prstGeom>
+          <a:ln>
+            <a:solidFill>
+              <a:schemeClr val="accent1"/>
+            </a:solidFill>
+            <a:tailEnd type="triangle"/>
+          </a:ln>
+        </p:spPr>
+        <p:style>
+          <a:lnRef idx="1">
+            <a:schemeClr val="accent1"/>
+          </a:lnRef>
+          <a:fillRef idx="0">
+            <a:schemeClr val="accent1"/>
+          </a:fillRef>
+          <a:effectRef idx="0">
+            <a:schemeClr val="accent1"/>
+          </a:effectRef>
+          <a:fontRef idx="minor">
+            <a:schemeClr val="tx1"/>
+          </a:fontRef>
+        </p:style>
+      </p:cxnSp>
+      <p:sp>
+        <p:nvSpPr>
+          <p:cNvPr id="28" name="TextBox 27"/>
+          <p:cNvSpPr txBox="1"/>
+          <p:nvPr/>
+        </p:nvSpPr>
+        <p:spPr>
+          <a:xfrm>
+            <a:off x="6215074" y="3631868"/>
+            <a:ext cx="2016224" cy="368636"/>
+          </a:xfrm>
+          <a:prstGeom prst="rect">
+            <a:avLst/>
+          </a:prstGeom>
+          <a:noFill/>
+        </p:spPr>
+        <p:txBody>
+          <a:bodyPr wrap="square" rtlCol="1">
+            <a:spAutoFit/>
+          </a:bodyPr>
+          <a:lstStyle/>
+          <a:p>
+            <a:r>
+              <a:rPr lang="en-US" dirty="0" err="1" smtClean="0"/>
+              <a:t>Com_fifo_out_valid</a:t>
+            </a:r>
+            <a:endParaRPr lang="he-IL" dirty="0"/>
+          </a:p>
+        </p:txBody>
+      </p:sp>
+      <p:cxnSp>
+        <p:nvCxnSpPr>
+          <p:cNvPr id="29" name="מחבר חץ ישר 28"/>
+          <p:cNvCxnSpPr/>
+          <p:nvPr/>
+        </p:nvCxnSpPr>
+        <p:spPr>
+          <a:xfrm>
+            <a:off x="6250382" y="4070354"/>
+            <a:ext cx="2000264" cy="1588"/>
+          </a:xfrm>
+          <a:prstGeom prst="straightConnector1">
+            <a:avLst/>
+          </a:prstGeom>
+          <a:ln>
+            <a:solidFill>
+              <a:schemeClr val="accent1"/>
+            </a:solidFill>
+            <a:tailEnd type="triangle"/>
+          </a:ln>
+        </p:spPr>
+        <p:style>
+          <a:lnRef idx="1">
+            <a:schemeClr val="accent1"/>
+          </a:lnRef>
+          <a:fillRef idx="0">
+            <a:schemeClr val="accent1"/>
+          </a:fillRef>
+          <a:effectRef idx="0">
+            <a:schemeClr val="accent1"/>
+          </a:effectRef>
+          <a:fontRef idx="minor">
+            <a:schemeClr val="tx1"/>
+          </a:fontRef>
+        </p:style>
+      </p:cxnSp>
+      <p:sp>
+        <p:nvSpPr>
+          <p:cNvPr id="30" name="TextBox 29"/>
+          <p:cNvSpPr txBox="1"/>
+          <p:nvPr/>
+        </p:nvSpPr>
+        <p:spPr>
+          <a:xfrm>
+            <a:off x="6251172" y="2184606"/>
+            <a:ext cx="2016224" cy="368636"/>
+          </a:xfrm>
+          <a:prstGeom prst="rect">
+            <a:avLst/>
+          </a:prstGeom>
+          <a:noFill/>
+        </p:spPr>
+        <p:txBody>
+          <a:bodyPr wrap="square" rtlCol="1">
+            <a:spAutoFit/>
+          </a:bodyPr>
+          <a:lstStyle/>
+          <a:p>
+            <a:r>
+              <a:rPr lang="en-US" dirty="0" err="1" smtClean="0"/>
+              <a:t>RAM_adr_wr</a:t>
+            </a:r>
+            <a:r>
+              <a:rPr lang="en-US" dirty="0" smtClean="0"/>
+              <a:t>[8..0]</a:t>
+            </a:r>
+            <a:endParaRPr lang="he-IL" dirty="0"/>
+          </a:p>
+        </p:txBody>
+      </p:sp>
+      <p:sp>
+        <p:nvSpPr>
+          <p:cNvPr id="31" name="TextBox 30"/>
+          <p:cNvSpPr txBox="1"/>
+          <p:nvPr/>
+        </p:nvSpPr>
+        <p:spPr>
+          <a:xfrm>
+            <a:off x="6251172" y="2702478"/>
+            <a:ext cx="2016224" cy="368636"/>
+          </a:xfrm>
+          <a:prstGeom prst="rect">
+            <a:avLst/>
+          </a:prstGeom>
+          <a:noFill/>
+        </p:spPr>
+        <p:txBody>
+          <a:bodyPr wrap="square" rtlCol="1">
+            <a:spAutoFit/>
+          </a:bodyPr>
+          <a:lstStyle/>
+          <a:p>
+            <a:r>
+              <a:rPr lang="en-US" dirty="0" err="1" smtClean="0"/>
+              <a:t>RAM_wr_en</a:t>
+            </a:r>
+            <a:endParaRPr lang="he-IL" dirty="0"/>
+          </a:p>
+        </p:txBody>
+      </p:sp>
+      <p:sp>
+        <p:nvSpPr>
+          <p:cNvPr id="32" name="TextBox 31"/>
+          <p:cNvSpPr txBox="1"/>
+          <p:nvPr/>
+        </p:nvSpPr>
+        <p:spPr>
+          <a:xfrm>
+            <a:off x="6143668" y="3202544"/>
+            <a:ext cx="2123728" cy="369332"/>
+          </a:xfrm>
+          <a:prstGeom prst="rect">
+            <a:avLst/>
+          </a:prstGeom>
+          <a:noFill/>
+        </p:spPr>
+        <p:txBody>
+          <a:bodyPr wrap="square" rtlCol="1">
+            <a:spAutoFit/>
+          </a:bodyPr>
+          <a:lstStyle/>
+          <a:p>
+            <a:pPr algn="r"/>
+            <a:r>
+              <a:rPr lang="en-US" dirty="0" err="1" smtClean="0"/>
+              <a:t>RAM_data_in</a:t>
+            </a:r>
+            <a:r>
+              <a:rPr lang="en-US" dirty="0" smtClean="0"/>
+              <a:t>[13..0]</a:t>
+            </a:r>
+            <a:endParaRPr lang="he-IL" dirty="0"/>
+          </a:p>
+        </p:txBody>
+      </p:sp>
+      <p:cxnSp>
+        <p:nvCxnSpPr>
+          <p:cNvPr id="33" name="מחבר חץ ישר 32"/>
+          <p:cNvCxnSpPr/>
+          <p:nvPr/>
+        </p:nvCxnSpPr>
+        <p:spPr>
+          <a:xfrm>
+            <a:off x="6357950" y="2559602"/>
+            <a:ext cx="2000264" cy="1588"/>
+          </a:xfrm>
+          <a:prstGeom prst="straightConnector1">
+            <a:avLst/>
+          </a:prstGeom>
+          <a:ln>
+            <a:solidFill>
+              <a:schemeClr val="accent1"/>
+            </a:solidFill>
+            <a:tailEnd type="triangle"/>
+          </a:ln>
+        </p:spPr>
+        <p:style>
+          <a:lnRef idx="1">
+            <a:schemeClr val="accent1"/>
+          </a:lnRef>
+          <a:fillRef idx="0">
+            <a:schemeClr val="accent1"/>
+          </a:fillRef>
+          <a:effectRef idx="0">
+            <a:schemeClr val="accent1"/>
+          </a:effectRef>
+          <a:fontRef idx="minor">
+            <a:schemeClr val="tx1"/>
+          </a:fontRef>
+        </p:style>
+      </p:cxnSp>
+      <p:cxnSp>
+        <p:nvCxnSpPr>
+          <p:cNvPr id="34" name="מחבר חץ ישר 33"/>
+          <p:cNvCxnSpPr/>
+          <p:nvPr/>
+        </p:nvCxnSpPr>
+        <p:spPr>
+          <a:xfrm>
+            <a:off x="6357950" y="3059668"/>
+            <a:ext cx="2000264" cy="1588"/>
+          </a:xfrm>
+          <a:prstGeom prst="straightConnector1">
+            <a:avLst/>
+          </a:prstGeom>
+          <a:ln>
+            <a:solidFill>
+              <a:schemeClr val="accent1"/>
+            </a:solidFill>
+            <a:tailEnd type="triangle"/>
+          </a:ln>
+        </p:spPr>
+        <p:style>
+          <a:lnRef idx="1">
+            <a:schemeClr val="accent1"/>
+          </a:lnRef>
+          <a:fillRef idx="0">
+            <a:schemeClr val="accent1"/>
+          </a:fillRef>
+          <a:effectRef idx="0">
+            <a:schemeClr val="accent1"/>
+          </a:effectRef>
+          <a:fontRef idx="minor">
+            <a:schemeClr val="tx1"/>
+          </a:fontRef>
+        </p:style>
+      </p:cxnSp>
+      <p:cxnSp>
+        <p:nvCxnSpPr>
+          <p:cNvPr id="35" name="מחבר חץ ישר 34"/>
+          <p:cNvCxnSpPr/>
+          <p:nvPr/>
+        </p:nvCxnSpPr>
+        <p:spPr>
+          <a:xfrm>
+            <a:off x="6357950" y="3558146"/>
+            <a:ext cx="2000264" cy="1588"/>
+          </a:xfrm>
+          <a:prstGeom prst="straightConnector1">
+            <a:avLst/>
+          </a:prstGeom>
+          <a:ln>
+            <a:solidFill>
+              <a:schemeClr val="accent1"/>
+            </a:solidFill>
+            <a:tailEnd type="triangle"/>
+          </a:ln>
+        </p:spPr>
+        <p:style>
+          <a:lnRef idx="1">
+            <a:schemeClr val="accent1"/>
+          </a:lnRef>
+          <a:fillRef idx="0">
+            <a:schemeClr val="accent1"/>
+          </a:fillRef>
+          <a:effectRef idx="0">
+            <a:schemeClr val="accent1"/>
+          </a:effectRef>
+          <a:fontRef idx="minor">
+            <a:schemeClr val="tx1"/>
+          </a:fontRef>
+        </p:style>
+      </p:cxnSp>
       <p:grpSp>
         <p:nvGrpSpPr>
-          <p:cNvPr id="38" name="קבוצה 37"/>
+          <p:cNvPr id="25" name="קבוצה 24"/>
           <p:cNvGrpSpPr/>
           <p:nvPr/>
         </p:nvGrpSpPr>
         <p:grpSpPr>
           <a:xfrm>
-            <a:off x="0" y="500042"/>
-            <a:ext cx="8358214" cy="5286412"/>
-            <a:chOff x="0" y="500042"/>
-            <a:chExt cx="8358214" cy="5286412"/>
+            <a:off x="6500826" y="5112723"/>
+            <a:ext cx="1687152" cy="383146"/>
+            <a:chOff x="5436096" y="1108245"/>
+            <a:chExt cx="1687152" cy="376540"/>
           </a:xfrm>
         </p:grpSpPr>
-        <p:sp>
-          <p:nvSpPr>
-            <p:cNvPr id="3" name="מלבן 2"/>
-            <p:cNvSpPr/>
-            <p:nvPr/>
-          </p:nvSpPr>
-          <p:spPr>
-            <a:xfrm>
-              <a:off x="2767810" y="500042"/>
-              <a:ext cx="3456384" cy="5286412"/>
-            </a:xfrm>
-            <a:prstGeom prst="rect">
-              <a:avLst/>
-            </a:prstGeom>
-            <a:solidFill>
-              <a:schemeClr val="bg2"/>
-            </a:solidFill>
-          </p:spPr>
-          <p:style>
-            <a:lnRef idx="2">
-              <a:schemeClr val="accent1">
-                <a:shade val="50000"/>
-              </a:schemeClr>
-            </a:lnRef>
-            <a:fillRef idx="1">
-              <a:schemeClr val="accent1"/>
-            </a:fillRef>
-            <a:effectRef idx="0">
-              <a:schemeClr val="accent1"/>
-            </a:effectRef>
-            <a:fontRef idx="minor">
-              <a:schemeClr val="lt1"/>
-            </a:fontRef>
-          </p:style>
-          <p:txBody>
-            <a:bodyPr rtlCol="1" anchor="ctr"/>
-            <a:lstStyle/>
-            <a:p>
-              <a:pPr algn="ctr"/>
-              <a:endParaRPr lang="he-IL"/>
-            </a:p>
-          </p:txBody>
-        </p:sp>
-        <p:sp>
-          <p:nvSpPr>
-            <p:cNvPr id="5" name="TextBox 4"/>
-            <p:cNvSpPr txBox="1"/>
-            <p:nvPr/>
-          </p:nvSpPr>
-          <p:spPr>
-            <a:xfrm>
-              <a:off x="607570" y="2714620"/>
-              <a:ext cx="2016224" cy="368636"/>
-            </a:xfrm>
-            <a:prstGeom prst="rect">
-              <a:avLst/>
-            </a:prstGeom>
-            <a:noFill/>
-          </p:spPr>
-          <p:txBody>
-            <a:bodyPr wrap="square" rtlCol="1">
-              <a:spAutoFit/>
-            </a:bodyPr>
-            <a:lstStyle/>
-            <a:p>
-              <a:r>
-                <a:rPr lang="en-US" dirty="0" err="1" smtClean="0"/>
-                <a:t>Com_fifo_wr_en</a:t>
-              </a:r>
-              <a:endParaRPr lang="he-IL" dirty="0"/>
-            </a:p>
-          </p:txBody>
-        </p:sp>
-        <p:sp>
-          <p:nvSpPr>
-            <p:cNvPr id="6" name="TextBox 5"/>
-            <p:cNvSpPr txBox="1"/>
-            <p:nvPr/>
-          </p:nvSpPr>
-          <p:spPr>
-            <a:xfrm>
-              <a:off x="142844" y="3631172"/>
-              <a:ext cx="2552388" cy="369332"/>
-            </a:xfrm>
-            <a:prstGeom prst="rect">
-              <a:avLst/>
-            </a:prstGeom>
-            <a:noFill/>
-          </p:spPr>
-          <p:txBody>
-            <a:bodyPr wrap="square" rtlCol="1">
-              <a:spAutoFit/>
-            </a:bodyPr>
-            <a:lstStyle/>
-            <a:p>
-              <a:pPr algn="r"/>
-              <a:r>
-                <a:rPr lang="en-US" dirty="0" err="1" smtClean="0"/>
-                <a:t>Com_fifo_data_in</a:t>
-              </a:r>
-              <a:r>
-                <a:rPr lang="en-US" dirty="0" smtClean="0"/>
-                <a:t>[23</a:t>
-              </a:r>
-              <a:r>
-                <a:rPr lang="en-US" dirty="0" smtClean="0"/>
-                <a:t>..0]</a:t>
-              </a:r>
-              <a:endParaRPr lang="he-IL" dirty="0"/>
-            </a:p>
-          </p:txBody>
-        </p:sp>
-        <p:sp>
-          <p:nvSpPr>
-            <p:cNvPr id="7" name="TextBox 6"/>
-            <p:cNvSpPr txBox="1"/>
-            <p:nvPr/>
-          </p:nvSpPr>
-          <p:spPr>
-            <a:xfrm>
-              <a:off x="3571868" y="2857496"/>
-              <a:ext cx="2011664" cy="646331"/>
-            </a:xfrm>
-            <a:prstGeom prst="rect">
-              <a:avLst/>
-            </a:prstGeom>
-            <a:noFill/>
-          </p:spPr>
-          <p:txBody>
-            <a:bodyPr wrap="square" rtlCol="1">
-              <a:spAutoFit/>
-            </a:bodyPr>
-            <a:lstStyle/>
-            <a:p>
-              <a:pPr algn="ctr" rtl="0"/>
-              <a:r>
-                <a:rPr lang="en-US" dirty="0" smtClean="0"/>
-                <a:t>Command FIFO</a:t>
-              </a:r>
-            </a:p>
-            <a:p>
-              <a:pPr algn="ctr" rtl="0"/>
-              <a:r>
-                <a:rPr lang="en-US" dirty="0" smtClean="0"/>
-                <a:t>300X24 (</a:t>
-              </a:r>
-              <a:r>
-                <a:rPr lang="en-US" dirty="0" err="1" smtClean="0"/>
-                <a:t>rowxbit</a:t>
-              </a:r>
-              <a:r>
-                <a:rPr lang="en-US" dirty="0" smtClean="0"/>
-                <a:t>)</a:t>
-              </a:r>
-              <a:endParaRPr lang="he-IL" dirty="0"/>
-            </a:p>
-          </p:txBody>
-        </p:sp>
         <p:cxnSp>
           <p:nvCxnSpPr>
-            <p:cNvPr id="9" name="מחבר חץ ישר 8"/>
+            <p:cNvPr id="26" name="מחבר ישר 25"/>
             <p:cNvCxnSpPr/>
             <p:nvPr/>
           </p:nvCxnSpPr>
           <p:spPr>
-            <a:xfrm>
-              <a:off x="714348" y="3071810"/>
-              <a:ext cx="2000264" cy="1588"/>
+            <a:xfrm flipV="1">
+              <a:off x="5436096" y="1477577"/>
+              <a:ext cx="1401400" cy="7208"/>
             </a:xfrm>
-            <a:prstGeom prst="straightConnector1">
+            <a:prstGeom prst="line">
               <a:avLst/>
             </a:prstGeom>
             <a:ln>
-              <a:solidFill>
-                <a:schemeClr val="accent1"/>
-              </a:solidFill>
-              <a:tailEnd type="triangle"/>
-            </a:ln>
-          </p:spPr>
-          <p:style>
-            <a:lnRef idx="1">
-              <a:schemeClr val="accent1"/>
-            </a:lnRef>
-            <a:fillRef idx="0">
-              <a:schemeClr val="accent1"/>
-            </a:fillRef>
-            <a:effectRef idx="0">
-              <a:schemeClr val="accent1"/>
-            </a:effectRef>
-            <a:fontRef idx="minor">
-              <a:schemeClr val="tx1"/>
-            </a:fontRef>
-          </p:style>
-        </p:cxnSp>
-        <p:cxnSp>
-          <p:nvCxnSpPr>
-            <p:cNvPr id="10" name="מחבר חץ ישר 9"/>
-            <p:cNvCxnSpPr/>
-            <p:nvPr/>
-          </p:nvCxnSpPr>
-          <p:spPr>
-            <a:xfrm>
-              <a:off x="714348" y="3570288"/>
-              <a:ext cx="2000264" cy="1588"/>
-            </a:xfrm>
-            <a:prstGeom prst="straightConnector1">
-              <a:avLst/>
-            </a:prstGeom>
-            <a:ln>
-              <a:solidFill>
-                <a:schemeClr val="accent1"/>
-              </a:solidFill>
               <a:tailEnd type="triangle"/>
             </a:ln>
           </p:spPr>
@@ -5182,14 +6061,14 @@
         </p:cxnSp>
         <p:sp>
           <p:nvSpPr>
-            <p:cNvPr id="11" name="TextBox 10"/>
+            <p:cNvPr id="27" name="TextBox 26"/>
             <p:cNvSpPr txBox="1"/>
             <p:nvPr/>
           </p:nvSpPr>
           <p:spPr>
             <a:xfrm>
-              <a:off x="571472" y="3214686"/>
-              <a:ext cx="2016224" cy="368636"/>
+              <a:off x="5467064" y="1108245"/>
+              <a:ext cx="1656184" cy="369332"/>
             </a:xfrm>
             <a:prstGeom prst="rect">
               <a:avLst/>
@@ -5202,36 +6081,45 @@
             </a:bodyPr>
             <a:lstStyle/>
             <a:p>
+              <a:pPr algn="l" rtl="0"/>
               <a:r>
                 <a:rPr lang="en-US" dirty="0" err="1" smtClean="0"/>
-                <a:t>Com_fifo</a:t>
-              </a:r>
-              <a:r>
-                <a:rPr lang="en-US" dirty="0" err="1" smtClean="0"/>
-                <a:t>_in_valid</a:t>
+                <a:t>RAM_in_valid</a:t>
               </a:r>
               <a:endParaRPr lang="he-IL" dirty="0"/>
             </a:p>
           </p:txBody>
         </p:sp>
+      </p:grpSp>
+      <p:grpSp>
+        <p:nvGrpSpPr>
+          <p:cNvPr id="36" name="קבוצה 35"/>
+          <p:cNvGrpSpPr/>
+          <p:nvPr/>
+        </p:nvGrpSpPr>
+        <p:grpSpPr>
+          <a:xfrm>
+            <a:off x="6500826" y="5559975"/>
+            <a:ext cx="2160240" cy="369332"/>
+            <a:chOff x="5436096" y="1125027"/>
+            <a:chExt cx="1728192" cy="362964"/>
+          </a:xfrm>
+        </p:grpSpPr>
         <p:cxnSp>
           <p:nvCxnSpPr>
-            <p:cNvPr id="12" name="מחבר חץ ישר 11"/>
+            <p:cNvPr id="37" name="מחבר ישר 36"/>
             <p:cNvCxnSpPr/>
             <p:nvPr/>
           </p:nvCxnSpPr>
           <p:spPr>
-            <a:xfrm>
-              <a:off x="678250" y="3989058"/>
-              <a:ext cx="2000264" cy="1588"/>
+            <a:xfrm flipV="1">
+              <a:off x="5436096" y="1476059"/>
+              <a:ext cx="1121120" cy="8725"/>
             </a:xfrm>
-            <a:prstGeom prst="straightConnector1">
+            <a:prstGeom prst="line">
               <a:avLst/>
             </a:prstGeom>
             <a:ln>
-              <a:solidFill>
-                <a:schemeClr val="accent1"/>
-              </a:solidFill>
               <a:tailEnd type="triangle"/>
             </a:ln>
           </p:spPr>
@@ -5252,14 +6140,14 @@
         </p:cxnSp>
         <p:sp>
           <p:nvSpPr>
-            <p:cNvPr id="14" name="TextBox 13"/>
+            <p:cNvPr id="39" name="TextBox 38"/>
             <p:cNvSpPr txBox="1"/>
             <p:nvPr/>
           </p:nvSpPr>
           <p:spPr>
             <a:xfrm>
-              <a:off x="0" y="4429132"/>
-              <a:ext cx="2623794" cy="369332"/>
+              <a:off x="5508104" y="1125027"/>
+              <a:ext cx="1656184" cy="362964"/>
             </a:xfrm>
             <a:prstGeom prst="rect">
               <a:avLst/>
@@ -5272,472 +6160,152 @@
             </a:bodyPr>
             <a:lstStyle/>
             <a:p>
-              <a:r>
-                <a:rPr lang="en-US" dirty="0" smtClean="0"/>
-                <a:t>(VSYNC) </a:t>
-              </a:r>
-              <a:r>
-                <a:rPr lang="en-US" dirty="0" err="1" smtClean="0"/>
-                <a:t>Com_fifo_r</a:t>
-              </a:r>
-              <a:r>
-                <a:rPr lang="en-US" dirty="0" err="1" smtClean="0"/>
-                <a:t>d_en</a:t>
-              </a:r>
-              <a:endParaRPr lang="he-IL" dirty="0"/>
-            </a:p>
-          </p:txBody>
-        </p:sp>
-        <p:cxnSp>
-          <p:nvCxnSpPr>
-            <p:cNvPr id="16" name="מחבר חץ ישר 15"/>
-            <p:cNvCxnSpPr/>
-            <p:nvPr/>
-          </p:nvCxnSpPr>
-          <p:spPr>
-            <a:xfrm>
-              <a:off x="714348" y="4917752"/>
-              <a:ext cx="2000264" cy="1588"/>
-            </a:xfrm>
-            <a:prstGeom prst="straightConnector1">
-              <a:avLst/>
-            </a:prstGeom>
-            <a:ln>
-              <a:solidFill>
-                <a:schemeClr val="accent1"/>
-              </a:solidFill>
-              <a:tailEnd type="triangle"/>
-            </a:ln>
-          </p:spPr>
-          <p:style>
-            <a:lnRef idx="1">
-              <a:schemeClr val="accent1"/>
-            </a:lnRef>
-            <a:fillRef idx="0">
-              <a:schemeClr val="accent1"/>
-            </a:fillRef>
-            <a:effectRef idx="0">
-              <a:schemeClr val="accent1"/>
-            </a:effectRef>
-            <a:fontRef idx="minor">
-              <a:schemeClr val="tx1"/>
-            </a:fontRef>
-          </p:style>
-        </p:cxnSp>
-        <p:sp>
-          <p:nvSpPr>
-            <p:cNvPr id="21" name="TextBox 20"/>
-            <p:cNvSpPr txBox="1"/>
-            <p:nvPr/>
-          </p:nvSpPr>
-          <p:spPr>
-            <a:xfrm>
-              <a:off x="607570" y="857232"/>
-              <a:ext cx="2016224" cy="368636"/>
-            </a:xfrm>
-            <a:prstGeom prst="rect">
-              <a:avLst/>
-            </a:prstGeom>
-            <a:noFill/>
-          </p:spPr>
-          <p:txBody>
-            <a:bodyPr wrap="square" rtlCol="1">
-              <a:spAutoFit/>
-            </a:bodyPr>
-            <a:lstStyle/>
-            <a:p>
-              <a:r>
-                <a:rPr lang="en-US" dirty="0" smtClean="0"/>
-                <a:t>Clk_133</a:t>
-              </a:r>
-              <a:endParaRPr lang="he-IL" dirty="0"/>
-            </a:p>
-          </p:txBody>
-        </p:sp>
-        <p:sp>
-          <p:nvSpPr>
-            <p:cNvPr id="22" name="TextBox 21"/>
-            <p:cNvSpPr txBox="1"/>
-            <p:nvPr/>
-          </p:nvSpPr>
-          <p:spPr>
-            <a:xfrm>
-              <a:off x="607570" y="1375104"/>
-              <a:ext cx="2016224" cy="368636"/>
-            </a:xfrm>
-            <a:prstGeom prst="rect">
-              <a:avLst/>
-            </a:prstGeom>
-            <a:noFill/>
-          </p:spPr>
-          <p:txBody>
-            <a:bodyPr wrap="square" rtlCol="1">
-              <a:spAutoFit/>
-            </a:bodyPr>
-            <a:lstStyle/>
-            <a:p>
-              <a:r>
-                <a:rPr lang="en-US" dirty="0" smtClean="0"/>
-                <a:t>reset</a:t>
-              </a:r>
-              <a:endParaRPr lang="he-IL" dirty="0"/>
-            </a:p>
-          </p:txBody>
-        </p:sp>
-        <p:cxnSp>
-          <p:nvCxnSpPr>
-            <p:cNvPr id="23" name="מחבר חץ ישר 22"/>
-            <p:cNvCxnSpPr/>
-            <p:nvPr/>
-          </p:nvCxnSpPr>
-          <p:spPr>
-            <a:xfrm>
-              <a:off x="714348" y="1232228"/>
-              <a:ext cx="2000264" cy="1588"/>
-            </a:xfrm>
-            <a:prstGeom prst="straightConnector1">
-              <a:avLst/>
-            </a:prstGeom>
-            <a:ln>
-              <a:solidFill>
-                <a:schemeClr val="accent1"/>
-              </a:solidFill>
-              <a:tailEnd type="triangle"/>
-            </a:ln>
-          </p:spPr>
-          <p:style>
-            <a:lnRef idx="1">
-              <a:schemeClr val="accent1"/>
-            </a:lnRef>
-            <a:fillRef idx="0">
-              <a:schemeClr val="accent1"/>
-            </a:fillRef>
-            <a:effectRef idx="0">
-              <a:schemeClr val="accent1"/>
-            </a:effectRef>
-            <a:fontRef idx="minor">
-              <a:schemeClr val="tx1"/>
-            </a:fontRef>
-          </p:style>
-        </p:cxnSp>
-        <p:cxnSp>
-          <p:nvCxnSpPr>
-            <p:cNvPr id="24" name="מחבר חץ ישר 23"/>
-            <p:cNvCxnSpPr/>
-            <p:nvPr/>
-          </p:nvCxnSpPr>
-          <p:spPr>
-            <a:xfrm>
-              <a:off x="714348" y="1732294"/>
-              <a:ext cx="2000264" cy="1588"/>
-            </a:xfrm>
-            <a:prstGeom prst="straightConnector1">
-              <a:avLst/>
-            </a:prstGeom>
-            <a:ln>
-              <a:solidFill>
-                <a:schemeClr val="accent1"/>
-              </a:solidFill>
-              <a:tailEnd type="triangle"/>
-            </a:ln>
-          </p:spPr>
-          <p:style>
-            <a:lnRef idx="1">
-              <a:schemeClr val="accent1"/>
-            </a:lnRef>
-            <a:fillRef idx="0">
-              <a:schemeClr val="accent1"/>
-            </a:fillRef>
-            <a:effectRef idx="0">
-              <a:schemeClr val="accent1"/>
-            </a:effectRef>
-            <a:fontRef idx="minor">
-              <a:schemeClr val="tx1"/>
-            </a:fontRef>
-          </p:style>
-        </p:cxnSp>
-        <p:sp>
-          <p:nvSpPr>
-            <p:cNvPr id="28" name="TextBox 27"/>
-            <p:cNvSpPr txBox="1"/>
-            <p:nvPr/>
-          </p:nvSpPr>
-          <p:spPr>
-            <a:xfrm>
-              <a:off x="6215074" y="3631868"/>
-              <a:ext cx="2016224" cy="368636"/>
-            </a:xfrm>
-            <a:prstGeom prst="rect">
-              <a:avLst/>
-            </a:prstGeom>
-            <a:noFill/>
-          </p:spPr>
-          <p:txBody>
-            <a:bodyPr wrap="square" rtlCol="1">
-              <a:spAutoFit/>
-            </a:bodyPr>
-            <a:lstStyle/>
-            <a:p>
-              <a:r>
-                <a:rPr lang="en-US" dirty="0" err="1" smtClean="0"/>
-                <a:t>Com_fifo_out_valid</a:t>
-              </a:r>
-              <a:endParaRPr lang="he-IL" dirty="0"/>
-            </a:p>
-          </p:txBody>
-        </p:sp>
-        <p:cxnSp>
-          <p:nvCxnSpPr>
-            <p:cNvPr id="29" name="מחבר חץ ישר 28"/>
-            <p:cNvCxnSpPr/>
-            <p:nvPr/>
-          </p:nvCxnSpPr>
-          <p:spPr>
-            <a:xfrm>
-              <a:off x="6250382" y="4070354"/>
-              <a:ext cx="2000264" cy="1588"/>
-            </a:xfrm>
-            <a:prstGeom prst="straightConnector1">
-              <a:avLst/>
-            </a:prstGeom>
-            <a:ln>
-              <a:solidFill>
-                <a:schemeClr val="accent1"/>
-              </a:solidFill>
-              <a:tailEnd type="triangle"/>
-            </a:ln>
-          </p:spPr>
-          <p:style>
-            <a:lnRef idx="1">
-              <a:schemeClr val="accent1"/>
-            </a:lnRef>
-            <a:fillRef idx="0">
-              <a:schemeClr val="accent1"/>
-            </a:fillRef>
-            <a:effectRef idx="0">
-              <a:schemeClr val="accent1"/>
-            </a:effectRef>
-            <a:fontRef idx="minor">
-              <a:schemeClr val="tx1"/>
-            </a:fontRef>
-          </p:style>
-        </p:cxnSp>
-        <p:sp>
-          <p:nvSpPr>
-            <p:cNvPr id="30" name="TextBox 29"/>
-            <p:cNvSpPr txBox="1"/>
-            <p:nvPr/>
-          </p:nvSpPr>
-          <p:spPr>
-            <a:xfrm>
-              <a:off x="6251172" y="2184606"/>
-              <a:ext cx="2016224" cy="368636"/>
-            </a:xfrm>
-            <a:prstGeom prst="rect">
-              <a:avLst/>
-            </a:prstGeom>
-            <a:noFill/>
-          </p:spPr>
-          <p:txBody>
-            <a:bodyPr wrap="square" rtlCol="1">
-              <a:spAutoFit/>
-            </a:bodyPr>
-            <a:lstStyle/>
-            <a:p>
+              <a:pPr algn="l" rtl="0"/>
               <a:r>
                 <a:rPr lang="en-US" dirty="0" err="1" smtClean="0"/>
                 <a:t>RAM_adr_wr</a:t>
               </a:r>
               <a:r>
                 <a:rPr lang="en-US" dirty="0" smtClean="0"/>
-                <a:t>[8</a:t>
-              </a:r>
-              <a:r>
-                <a:rPr lang="en-US" dirty="0" smtClean="0"/>
-                <a:t>..0]</a:t>
+                <a:t> [8..0]</a:t>
               </a:r>
               <a:endParaRPr lang="he-IL" dirty="0"/>
             </a:p>
           </p:txBody>
         </p:sp>
-        <p:sp>
-          <p:nvSpPr>
-            <p:cNvPr id="31" name="TextBox 30"/>
-            <p:cNvSpPr txBox="1"/>
-            <p:nvPr/>
-          </p:nvSpPr>
-          <p:spPr>
-            <a:xfrm>
-              <a:off x="6251172" y="2702478"/>
-              <a:ext cx="2016224" cy="368636"/>
-            </a:xfrm>
-            <a:prstGeom prst="rect">
-              <a:avLst/>
-            </a:prstGeom>
-            <a:noFill/>
-          </p:spPr>
-          <p:txBody>
-            <a:bodyPr wrap="square" rtlCol="1">
-              <a:spAutoFit/>
-            </a:bodyPr>
-            <a:lstStyle/>
-            <a:p>
-              <a:r>
-                <a:rPr lang="en-US" dirty="0" err="1" smtClean="0"/>
-                <a:t>RAM_wr_en</a:t>
-              </a:r>
-              <a:endParaRPr lang="he-IL" dirty="0"/>
-            </a:p>
-          </p:txBody>
-        </p:sp>
-        <p:sp>
-          <p:nvSpPr>
-            <p:cNvPr id="32" name="TextBox 31"/>
-            <p:cNvSpPr txBox="1"/>
-            <p:nvPr/>
-          </p:nvSpPr>
-          <p:spPr>
-            <a:xfrm>
-              <a:off x="6143668" y="3202544"/>
-              <a:ext cx="2123728" cy="369332"/>
-            </a:xfrm>
-            <a:prstGeom prst="rect">
-              <a:avLst/>
-            </a:prstGeom>
-            <a:noFill/>
-          </p:spPr>
-          <p:txBody>
-            <a:bodyPr wrap="square" rtlCol="1">
-              <a:spAutoFit/>
-            </a:bodyPr>
-            <a:lstStyle/>
-            <a:p>
-              <a:pPr algn="r"/>
-              <a:r>
-                <a:rPr lang="en-US" dirty="0" err="1" smtClean="0"/>
-                <a:t>RAM_data_in</a:t>
-              </a:r>
-              <a:r>
-                <a:rPr lang="en-US" dirty="0" smtClean="0"/>
-                <a:t>[13</a:t>
-              </a:r>
-              <a:r>
-                <a:rPr lang="en-US" dirty="0" smtClean="0"/>
-                <a:t>..0]</a:t>
-              </a:r>
-              <a:endParaRPr lang="he-IL" dirty="0"/>
-            </a:p>
-          </p:txBody>
-        </p:sp>
-        <p:cxnSp>
-          <p:nvCxnSpPr>
-            <p:cNvPr id="33" name="מחבר חץ ישר 32"/>
-            <p:cNvCxnSpPr/>
-            <p:nvPr/>
-          </p:nvCxnSpPr>
-          <p:spPr>
-            <a:xfrm>
-              <a:off x="6357950" y="2559602"/>
-              <a:ext cx="2000264" cy="1588"/>
-            </a:xfrm>
-            <a:prstGeom prst="straightConnector1">
-              <a:avLst/>
-            </a:prstGeom>
-            <a:ln>
-              <a:solidFill>
-                <a:schemeClr val="accent1"/>
-              </a:solidFill>
-              <a:tailEnd type="triangle"/>
-            </a:ln>
-          </p:spPr>
-          <p:style>
-            <a:lnRef idx="1">
-              <a:schemeClr val="accent1"/>
-            </a:lnRef>
-            <a:fillRef idx="0">
-              <a:schemeClr val="accent1"/>
-            </a:fillRef>
-            <a:effectRef idx="0">
-              <a:schemeClr val="accent1"/>
-            </a:effectRef>
-            <a:fontRef idx="minor">
-              <a:schemeClr val="tx1"/>
-            </a:fontRef>
-          </p:style>
-        </p:cxnSp>
-        <p:cxnSp>
-          <p:nvCxnSpPr>
-            <p:cNvPr id="34" name="מחבר חץ ישר 33"/>
-            <p:cNvCxnSpPr/>
-            <p:nvPr/>
-          </p:nvCxnSpPr>
-          <p:spPr>
-            <a:xfrm>
-              <a:off x="6357950" y="3059668"/>
-              <a:ext cx="2000264" cy="1588"/>
-            </a:xfrm>
-            <a:prstGeom prst="straightConnector1">
-              <a:avLst/>
-            </a:prstGeom>
-            <a:ln>
-              <a:solidFill>
-                <a:schemeClr val="accent1"/>
-              </a:solidFill>
-              <a:tailEnd type="triangle"/>
-            </a:ln>
-          </p:spPr>
-          <p:style>
-            <a:lnRef idx="1">
-              <a:schemeClr val="accent1"/>
-            </a:lnRef>
-            <a:fillRef idx="0">
-              <a:schemeClr val="accent1"/>
-            </a:fillRef>
-            <a:effectRef idx="0">
-              <a:schemeClr val="accent1"/>
-            </a:effectRef>
-            <a:fontRef idx="minor">
-              <a:schemeClr val="tx1"/>
-            </a:fontRef>
-          </p:style>
-        </p:cxnSp>
-        <p:cxnSp>
-          <p:nvCxnSpPr>
-            <p:cNvPr id="35" name="מחבר חץ ישר 34"/>
-            <p:cNvCxnSpPr/>
-            <p:nvPr/>
-          </p:nvCxnSpPr>
-          <p:spPr>
-            <a:xfrm>
-              <a:off x="6357950" y="3558146"/>
-              <a:ext cx="2000264" cy="1588"/>
-            </a:xfrm>
-            <a:prstGeom prst="straightConnector1">
-              <a:avLst/>
-            </a:prstGeom>
-            <a:ln>
-              <a:solidFill>
-                <a:schemeClr val="accent1"/>
-              </a:solidFill>
-              <a:tailEnd type="triangle"/>
-            </a:ln>
-          </p:spPr>
-          <p:style>
-            <a:lnRef idx="1">
-              <a:schemeClr val="accent1"/>
-            </a:lnRef>
-            <a:fillRef idx="0">
-              <a:schemeClr val="accent1"/>
-            </a:fillRef>
-            <a:effectRef idx="0">
-              <a:schemeClr val="accent1"/>
-            </a:effectRef>
-            <a:fontRef idx="minor">
-              <a:schemeClr val="tx1"/>
-            </a:fontRef>
-          </p:style>
-        </p:cxnSp>
       </p:grpSp>
+      <p:sp>
+        <p:nvSpPr>
+          <p:cNvPr id="40" name="TextBox 39"/>
+          <p:cNvSpPr txBox="1"/>
+          <p:nvPr/>
+        </p:nvSpPr>
+        <p:spPr>
+          <a:xfrm>
+            <a:off x="6544904" y="6060040"/>
+            <a:ext cx="2160240" cy="375812"/>
+          </a:xfrm>
+          <a:prstGeom prst="rect">
+            <a:avLst/>
+          </a:prstGeom>
+          <a:noFill/>
+        </p:spPr>
+        <p:txBody>
+          <a:bodyPr wrap="square" rtlCol="1">
+            <a:spAutoFit/>
+          </a:bodyPr>
+          <a:lstStyle/>
+          <a:p>
+            <a:pPr algn="l" rtl="0"/>
+            <a:r>
+              <a:rPr lang="en-US" dirty="0" err="1" smtClean="0"/>
+              <a:t>RAM_data_in</a:t>
+            </a:r>
+            <a:r>
+              <a:rPr lang="en-US" dirty="0" smtClean="0"/>
+              <a:t>[13..0]</a:t>
+            </a:r>
+            <a:endParaRPr lang="he-IL" dirty="0"/>
+          </a:p>
+        </p:txBody>
+      </p:sp>
+      <p:sp>
+        <p:nvSpPr>
+          <p:cNvPr id="41" name="TextBox 40"/>
+          <p:cNvSpPr txBox="1"/>
+          <p:nvPr/>
+        </p:nvSpPr>
+        <p:spPr>
+          <a:xfrm>
+            <a:off x="6544904" y="6488668"/>
+            <a:ext cx="1656184" cy="369332"/>
+          </a:xfrm>
+          <a:prstGeom prst="rect">
+            <a:avLst/>
+          </a:prstGeom>
+          <a:noFill/>
+        </p:spPr>
+        <p:txBody>
+          <a:bodyPr wrap="square" rtlCol="1">
+            <a:spAutoFit/>
+          </a:bodyPr>
+          <a:lstStyle/>
+          <a:p>
+            <a:pPr algn="l" rtl="0"/>
+            <a:r>
+              <a:rPr lang="en-US" dirty="0" err="1" smtClean="0"/>
+              <a:t>rd_mng_valid</a:t>
+            </a:r>
+            <a:endParaRPr lang="he-IL" dirty="0"/>
+          </a:p>
+        </p:txBody>
+      </p:sp>
+      <p:cxnSp>
+        <p:nvCxnSpPr>
+          <p:cNvPr id="42" name="מחבר ישר 41"/>
+          <p:cNvCxnSpPr/>
+          <p:nvPr/>
+        </p:nvCxnSpPr>
+        <p:spPr>
+          <a:xfrm flipV="1">
+            <a:off x="6473466" y="6845858"/>
+            <a:ext cx="1472838" cy="8878"/>
+          </a:xfrm>
+          <a:prstGeom prst="line">
+            <a:avLst/>
+          </a:prstGeom>
+          <a:ln>
+            <a:tailEnd type="triangle"/>
+          </a:ln>
+        </p:spPr>
+        <p:style>
+          <a:lnRef idx="1">
+            <a:schemeClr val="accent1"/>
+          </a:lnRef>
+          <a:fillRef idx="0">
+            <a:schemeClr val="accent1"/>
+          </a:fillRef>
+          <a:effectRef idx="0">
+            <a:schemeClr val="accent1"/>
+          </a:effectRef>
+          <a:fontRef idx="minor">
+            <a:schemeClr val="tx1"/>
+          </a:fontRef>
+        </p:style>
+      </p:cxnSp>
+      <p:cxnSp>
+        <p:nvCxnSpPr>
+          <p:cNvPr id="43" name="מחבר ישר 42"/>
+          <p:cNvCxnSpPr/>
+          <p:nvPr/>
+        </p:nvCxnSpPr>
+        <p:spPr>
+          <a:xfrm flipV="1">
+            <a:off x="6500826" y="6417230"/>
+            <a:ext cx="1472838" cy="8878"/>
+          </a:xfrm>
+          <a:prstGeom prst="line">
+            <a:avLst/>
+          </a:prstGeom>
+          <a:ln>
+            <a:tailEnd type="triangle"/>
+          </a:ln>
+        </p:spPr>
+        <p:style>
+          <a:lnRef idx="1">
+            <a:schemeClr val="accent1"/>
+          </a:lnRef>
+          <a:fillRef idx="0">
+            <a:schemeClr val="accent1"/>
+          </a:fillRef>
+          <a:effectRef idx="0">
+            <a:schemeClr val="accent1"/>
+          </a:effectRef>
+          <a:fontRef idx="minor">
+            <a:schemeClr val="tx1"/>
+          </a:fontRef>
+        </p:style>
+      </p:cxnSp>
     </p:spTree>
   </p:cSld>
   <p:clrMapOvr>
@@ -7499,6 +8067,31 @@
 </p:sld>
 </file>
 
+<file path=ppt/slides/slide5.xml><?xml version="1.0" encoding="utf-8"?>
+<p:sld xmlns:a="http://schemas.openxmlformats.org/drawingml/2006/main" xmlns:r="http://schemas.openxmlformats.org/officeDocument/2006/relationships" xmlns:p="http://schemas.openxmlformats.org/presentationml/2006/main">
+  <p:cSld>
+    <p:spTree>
+      <p:nvGrpSpPr>
+        <p:cNvPr id="1" name=""/>
+        <p:cNvGrpSpPr/>
+        <p:nvPr/>
+      </p:nvGrpSpPr>
+      <p:grpSpPr>
+        <a:xfrm>
+          <a:off x="0" y="0"/>
+          <a:ext cx="0" cy="0"/>
+          <a:chOff x="0" y="0"/>
+          <a:chExt cx="0" cy="0"/>
+        </a:xfrm>
+      </p:grpSpPr>
+    </p:spTree>
+  </p:cSld>
+  <p:clrMapOvr>
+    <a:masterClrMapping/>
+  </p:clrMapOvr>
+</p:sld>
+</file>
+
 <file path=ppt/theme/theme1.xml><?xml version="1.0" encoding="utf-8"?>
 <a:theme xmlns:a="http://schemas.openxmlformats.org/drawingml/2006/main" name="ערכת נושא Office">
   <a:themeElements>
@@ -7780,4 +8373,287 @@
   <a:objectDefaults/>
   <a:extraClrSchemeLst/>
 </a:theme>
+</file>
+
+<file path=ppt/theme/theme2.xml><?xml version="1.0" encoding="utf-8"?>
+<a:theme xmlns:a="http://schemas.openxmlformats.org/drawingml/2006/main" name="ערכת נושא Office">
+  <a:themeElements>
+    <a:clrScheme name="Office">
+      <a:dk1>
+        <a:sysClr val="windowText" lastClr="000000"/>
+      </a:dk1>
+      <a:lt1>
+        <a:sysClr val="window" lastClr="FFFFFF"/>
+      </a:lt1>
+      <a:dk2>
+        <a:srgbClr val="1F497D"/>
+      </a:dk2>
+      <a:lt2>
+        <a:srgbClr val="EEECE1"/>
+      </a:lt2>
+      <a:accent1>
+        <a:srgbClr val="4F81BD"/>
+      </a:accent1>
+      <a:accent2>
+        <a:srgbClr val="C0504D"/>
+      </a:accent2>
+      <a:accent3>
+        <a:srgbClr val="9BBB59"/>
+      </a:accent3>
+      <a:accent4>
+        <a:srgbClr val="8064A2"/>
+      </a:accent4>
+      <a:accent5>
+        <a:srgbClr val="4BACC6"/>
+      </a:accent5>
+      <a:accent6>
+        <a:srgbClr val="F79646"/>
+      </a:accent6>
+      <a:hlink>
+        <a:srgbClr val="0000FF"/>
+      </a:hlink>
+      <a:folHlink>
+        <a:srgbClr val="800080"/>
+      </a:folHlink>
+    </a:clrScheme>
+    <a:fontScheme name="Office">
+      <a:majorFont>
+        <a:latin typeface="Calibri"/>
+        <a:ea typeface=""/>
+        <a:cs typeface=""/>
+        <a:font script="Jpan" typeface="ＭＳ Ｐゴシック"/>
+        <a:font script="Hang" typeface="맑은 고딕"/>
+        <a:font script="Hans" typeface="宋体"/>
+        <a:font script="Hant" typeface="新細明體"/>
+        <a:font script="Arab" typeface="Times New Roman"/>
+        <a:font script="Hebr" typeface="Times New Roman"/>
+        <a:font script="Thai" typeface="Angsana New"/>
+        <a:font script="Ethi" typeface="Nyala"/>
+        <a:font script="Beng" typeface="Vrinda"/>
+        <a:font script="Gujr" typeface="Shruti"/>
+        <a:font script="Khmr" typeface="MoolBoran"/>
+        <a:font script="Knda" typeface="Tunga"/>
+        <a:font script="Guru" typeface="Raavi"/>
+        <a:font script="Cans" typeface="Euphemia"/>
+        <a:font script="Cher" typeface="Plantagenet Cherokee"/>
+        <a:font script="Yiii" typeface="Microsoft Yi Baiti"/>
+        <a:font script="Tibt" typeface="Microsoft Himalaya"/>
+        <a:font script="Thaa" typeface="MV Boli"/>
+        <a:font script="Deva" typeface="Mangal"/>
+        <a:font script="Telu" typeface="Gautami"/>
+        <a:font script="Taml" typeface="Latha"/>
+        <a:font script="Syrc" typeface="Estrangelo Edessa"/>
+        <a:font script="Orya" typeface="Kalinga"/>
+        <a:font script="Mlym" typeface="Kartika"/>
+        <a:font script="Laoo" typeface="DokChampa"/>
+        <a:font script="Sinh" typeface="Iskoola Pota"/>
+        <a:font script="Mong" typeface="Mongolian Baiti"/>
+        <a:font script="Viet" typeface="Times New Roman"/>
+        <a:font script="Uigh" typeface="Microsoft Uighur"/>
+      </a:majorFont>
+      <a:minorFont>
+        <a:latin typeface="Calibri"/>
+        <a:ea typeface=""/>
+        <a:cs typeface=""/>
+        <a:font script="Jpan" typeface="ＭＳ Ｐゴシック"/>
+        <a:font script="Hang" typeface="맑은 고딕"/>
+        <a:font script="Hans" typeface="宋体"/>
+        <a:font script="Hant" typeface="新細明體"/>
+        <a:font script="Arab" typeface="Arial"/>
+        <a:font script="Hebr" typeface="Arial"/>
+        <a:font script="Thai" typeface="Cordia New"/>
+        <a:font script="Ethi" typeface="Nyala"/>
+        <a:font script="Beng" typeface="Vrinda"/>
+        <a:font script="Gujr" typeface="Shruti"/>
+        <a:font script="Khmr" typeface="DaunPenh"/>
+        <a:font script="Knda" typeface="Tunga"/>
+        <a:font script="Guru" typeface="Raavi"/>
+        <a:font script="Cans" typeface="Euphemia"/>
+        <a:font script="Cher" typeface="Plantagenet Cherokee"/>
+        <a:font script="Yiii" typeface="Microsoft Yi Baiti"/>
+        <a:font script="Tibt" typeface="Microsoft Himalaya"/>
+        <a:font script="Thaa" typeface="MV Boli"/>
+        <a:font script="Deva" typeface="Mangal"/>
+        <a:font script="Telu" typeface="Gautami"/>
+        <a:font script="Taml" typeface="Latha"/>
+        <a:font script="Syrc" typeface="Estrangelo Edessa"/>
+        <a:font script="Orya" typeface="Kalinga"/>
+        <a:font script="Mlym" typeface="Kartika"/>
+        <a:font script="Laoo" typeface="DokChampa"/>
+        <a:font script="Sinh" typeface="Iskoola Pota"/>
+        <a:font script="Mong" typeface="Mongolian Baiti"/>
+        <a:font script="Viet" typeface="Arial"/>
+        <a:font script="Uigh" typeface="Microsoft Uighur"/>
+      </a:minorFont>
+    </a:fontScheme>
+    <a:fmtScheme name="Office">
+      <a:fillStyleLst>
+        <a:solidFill>
+          <a:schemeClr val="phClr"/>
+        </a:solidFill>
+        <a:gradFill rotWithShape="1">
+          <a:gsLst>
+            <a:gs pos="0">
+              <a:schemeClr val="phClr">
+                <a:tint val="50000"/>
+                <a:satMod val="300000"/>
+              </a:schemeClr>
+            </a:gs>
+            <a:gs pos="35000">
+              <a:schemeClr val="phClr">
+                <a:tint val="37000"/>
+                <a:satMod val="300000"/>
+              </a:schemeClr>
+            </a:gs>
+            <a:gs pos="100000">
+              <a:schemeClr val="phClr">
+                <a:tint val="15000"/>
+                <a:satMod val="350000"/>
+              </a:schemeClr>
+            </a:gs>
+          </a:gsLst>
+          <a:lin ang="16200000" scaled="1"/>
+        </a:gradFill>
+        <a:gradFill rotWithShape="1">
+          <a:gsLst>
+            <a:gs pos="0">
+              <a:schemeClr val="phClr">
+                <a:shade val="51000"/>
+                <a:satMod val="130000"/>
+              </a:schemeClr>
+            </a:gs>
+            <a:gs pos="80000">
+              <a:schemeClr val="phClr">
+                <a:shade val="93000"/>
+                <a:satMod val="130000"/>
+              </a:schemeClr>
+            </a:gs>
+            <a:gs pos="100000">
+              <a:schemeClr val="phClr">
+                <a:shade val="94000"/>
+                <a:satMod val="135000"/>
+              </a:schemeClr>
+            </a:gs>
+          </a:gsLst>
+          <a:lin ang="16200000" scaled="0"/>
+        </a:gradFill>
+      </a:fillStyleLst>
+      <a:lnStyleLst>
+        <a:ln w="9525" cap="flat" cmpd="sng" algn="ctr">
+          <a:solidFill>
+            <a:schemeClr val="phClr">
+              <a:shade val="95000"/>
+              <a:satMod val="105000"/>
+            </a:schemeClr>
+          </a:solidFill>
+          <a:prstDash val="solid"/>
+        </a:ln>
+        <a:ln w="25400" cap="flat" cmpd="sng" algn="ctr">
+          <a:solidFill>
+            <a:schemeClr val="phClr"/>
+          </a:solidFill>
+          <a:prstDash val="solid"/>
+        </a:ln>
+        <a:ln w="38100" cap="flat" cmpd="sng" algn="ctr">
+          <a:solidFill>
+            <a:schemeClr val="phClr"/>
+          </a:solidFill>
+          <a:prstDash val="solid"/>
+        </a:ln>
+      </a:lnStyleLst>
+      <a:effectStyleLst>
+        <a:effectStyle>
+          <a:effectLst>
+            <a:outerShdw blurRad="40000" dist="20000" dir="5400000" rotWithShape="0">
+              <a:srgbClr val="000000">
+                <a:alpha val="38000"/>
+              </a:srgbClr>
+            </a:outerShdw>
+          </a:effectLst>
+        </a:effectStyle>
+        <a:effectStyle>
+          <a:effectLst>
+            <a:outerShdw blurRad="40000" dist="23000" dir="5400000" rotWithShape="0">
+              <a:srgbClr val="000000">
+                <a:alpha val="35000"/>
+              </a:srgbClr>
+            </a:outerShdw>
+          </a:effectLst>
+        </a:effectStyle>
+        <a:effectStyle>
+          <a:effectLst>
+            <a:outerShdw blurRad="40000" dist="23000" dir="5400000" rotWithShape="0">
+              <a:srgbClr val="000000">
+                <a:alpha val="35000"/>
+              </a:srgbClr>
+            </a:outerShdw>
+          </a:effectLst>
+          <a:scene3d>
+            <a:camera prst="orthographicFront">
+              <a:rot lat="0" lon="0" rev="0"/>
+            </a:camera>
+            <a:lightRig rig="threePt" dir="t">
+              <a:rot lat="0" lon="0" rev="1200000"/>
+            </a:lightRig>
+          </a:scene3d>
+          <a:sp3d>
+            <a:bevelT w="63500" h="25400"/>
+          </a:sp3d>
+        </a:effectStyle>
+      </a:effectStyleLst>
+      <a:bgFillStyleLst>
+        <a:solidFill>
+          <a:schemeClr val="phClr"/>
+        </a:solidFill>
+        <a:gradFill rotWithShape="1">
+          <a:gsLst>
+            <a:gs pos="0">
+              <a:schemeClr val="phClr">
+                <a:tint val="40000"/>
+                <a:satMod val="350000"/>
+              </a:schemeClr>
+            </a:gs>
+            <a:gs pos="40000">
+              <a:schemeClr val="phClr">
+                <a:tint val="45000"/>
+                <a:shade val="99000"/>
+                <a:satMod val="350000"/>
+              </a:schemeClr>
+            </a:gs>
+            <a:gs pos="100000">
+              <a:schemeClr val="phClr">
+                <a:shade val="20000"/>
+                <a:satMod val="255000"/>
+              </a:schemeClr>
+            </a:gs>
+          </a:gsLst>
+          <a:path path="circle">
+            <a:fillToRect l="50000" t="-80000" r="50000" b="180000"/>
+          </a:path>
+        </a:gradFill>
+        <a:gradFill rotWithShape="1">
+          <a:gsLst>
+            <a:gs pos="0">
+              <a:schemeClr val="phClr">
+                <a:tint val="80000"/>
+                <a:satMod val="300000"/>
+              </a:schemeClr>
+            </a:gs>
+            <a:gs pos="100000">
+              <a:schemeClr val="phClr">
+                <a:shade val="30000"/>
+                <a:satMod val="200000"/>
+              </a:schemeClr>
+            </a:gs>
+          </a:gsLst>
+          <a:path path="circle">
+            <a:fillToRect l="50000" t="50000" r="50000" b="50000"/>
+          </a:path>
+        </a:gradFill>
+      </a:bgFillStyleLst>
+    </a:fmtScheme>
+  </a:themeElements>
+  <a:objectDefaults/>
+  <a:extraClrSchemeLst/>
+</a:theme>
 </file>